--- a/자료/sqld/DB_PPT/2장. 제약조건, 관계.pptx
+++ b/자료/sqld/DB_PPT/2장. 제약조건, 관계.pptx
@@ -5,7 +5,7 @@
     <p:sldMasterId id="2147483648" r:id="rId1"/>
   </p:sldMasterIdLst>
   <p:notesMasterIdLst>
-    <p:notesMasterId r:id="rId22"/>
+    <p:notesMasterId r:id="rId23"/>
   </p:notesMasterIdLst>
   <p:sldIdLst>
     <p:sldId id="256" r:id="rId2"/>
@@ -23,11 +23,12 @@
     <p:sldId id="273" r:id="rId14"/>
     <p:sldId id="274" r:id="rId15"/>
     <p:sldId id="275" r:id="rId16"/>
-    <p:sldId id="277" r:id="rId17"/>
-    <p:sldId id="278" r:id="rId18"/>
-    <p:sldId id="279" r:id="rId19"/>
-    <p:sldId id="280" r:id="rId20"/>
-    <p:sldId id="281" r:id="rId21"/>
+    <p:sldId id="282" r:id="rId17"/>
+    <p:sldId id="277" r:id="rId18"/>
+    <p:sldId id="278" r:id="rId19"/>
+    <p:sldId id="279" r:id="rId20"/>
+    <p:sldId id="280" r:id="rId21"/>
+    <p:sldId id="281" r:id="rId22"/>
   </p:sldIdLst>
   <p:sldSz cx="9144000" cy="6858000" type="screen4x3"/>
   <p:notesSz cx="6858000" cy="9144000"/>
@@ -227,7 +228,7 @@
           <a:p>
             <a:fld id="{7665CDAC-D627-4E87-877A-1B781DD4CADC}" type="datetimeFigureOut">
               <a:rPr lang="ko-KR" altLang="en-US" smtClean="0"/>
-              <a:t>2023-04-09</a:t>
+              <a:t>2023-04-13</a:t>
             </a:fld>
             <a:endParaRPr lang="ko-KR" altLang="en-US"/>
           </a:p>
@@ -1117,7 +1118,7 @@
           <a:p>
             <a:fld id="{E240FE80-3752-4C44-80B8-E31C3450070D}" type="datetime1">
               <a:rPr lang="ko-KR" altLang="en-US" smtClean="0"/>
-              <a:t>2023-04-09</a:t>
+              <a:t>2023-04-13</a:t>
             </a:fld>
             <a:endParaRPr lang="ko-KR" altLang="en-US"/>
           </a:p>
@@ -1295,7 +1296,7 @@
           <a:p>
             <a:fld id="{5FA88D13-428F-4553-BC93-2E91B1DA3F5C}" type="datetime1">
               <a:rPr lang="ko-KR" altLang="en-US" smtClean="0"/>
-              <a:t>2023-04-09</a:t>
+              <a:t>2023-04-13</a:t>
             </a:fld>
             <a:endParaRPr lang="ko-KR" altLang="en-US"/>
           </a:p>
@@ -1467,7 +1468,7 @@
           <a:p>
             <a:fld id="{4E9D4779-FB94-4D0A-9770-16BB460ADD4B}" type="datetime1">
               <a:rPr lang="ko-KR" altLang="en-US" smtClean="0"/>
-              <a:t>2023-04-09</a:t>
+              <a:t>2023-04-13</a:t>
             </a:fld>
             <a:endParaRPr lang="ko-KR" altLang="en-US"/>
           </a:p>
@@ -1712,7 +1713,7 @@
           <a:p>
             <a:fld id="{DD687F0D-089E-4098-8EE9-5721C76E52EC}" type="datetime1">
               <a:rPr lang="ko-KR" altLang="en-US" smtClean="0"/>
-              <a:t>2023-04-09</a:t>
+              <a:t>2023-04-13</a:t>
             </a:fld>
             <a:endParaRPr lang="ko-KR" altLang="en-US"/>
           </a:p>
@@ -1997,7 +1998,7 @@
           <a:p>
             <a:fld id="{09C650FE-E6B2-4D57-AAF6-1B2A37421AAD}" type="datetime1">
               <a:rPr lang="ko-KR" altLang="en-US" smtClean="0"/>
-              <a:t>2023-04-09</a:t>
+              <a:t>2023-04-13</a:t>
             </a:fld>
             <a:endParaRPr lang="ko-KR" altLang="en-US"/>
           </a:p>
@@ -2416,7 +2417,7 @@
           <a:p>
             <a:fld id="{E87F20C2-C949-4E4F-9580-FEE4F2DAC554}" type="datetime1">
               <a:rPr lang="ko-KR" altLang="en-US" smtClean="0"/>
-              <a:t>2023-04-09</a:t>
+              <a:t>2023-04-13</a:t>
             </a:fld>
             <a:endParaRPr lang="ko-KR" altLang="en-US"/>
           </a:p>
@@ -2533,7 +2534,7 @@
           <a:p>
             <a:fld id="{476DBFE0-70CA-4AA9-9C17-F02054822E7E}" type="datetime1">
               <a:rPr lang="ko-KR" altLang="en-US" smtClean="0"/>
-              <a:t>2023-04-09</a:t>
+              <a:t>2023-04-13</a:t>
             </a:fld>
             <a:endParaRPr lang="ko-KR" altLang="en-US"/>
           </a:p>
@@ -2628,7 +2629,7 @@
           <a:p>
             <a:fld id="{6DA84A72-C6AC-45C3-AE5A-9CF6D245353A}" type="datetime1">
               <a:rPr lang="ko-KR" altLang="en-US" smtClean="0"/>
-              <a:t>2023-04-09</a:t>
+              <a:t>2023-04-13</a:t>
             </a:fld>
             <a:endParaRPr lang="ko-KR" altLang="en-US"/>
           </a:p>
@@ -2903,7 +2904,7 @@
           <a:p>
             <a:fld id="{092D9E8D-7616-4FA8-9B12-88059974D499}" type="datetime1">
               <a:rPr lang="ko-KR" altLang="en-US" smtClean="0"/>
-              <a:t>2023-04-09</a:t>
+              <a:t>2023-04-13</a:t>
             </a:fld>
             <a:endParaRPr lang="ko-KR" altLang="en-US"/>
           </a:p>
@@ -3155,7 +3156,7 @@
           <a:p>
             <a:fld id="{79F4C3F6-B4DC-4E51-8609-BCC628ECDBF3}" type="datetime1">
               <a:rPr lang="ko-KR" altLang="en-US" smtClean="0"/>
-              <a:t>2023-04-09</a:t>
+              <a:t>2023-04-13</a:t>
             </a:fld>
             <a:endParaRPr lang="ko-KR" altLang="en-US"/>
           </a:p>
@@ -3334,7 +3335,7 @@
           <a:p>
             <a:fld id="{B2C4C586-F21B-48DD-B591-4B12E73E0749}" type="datetime1">
               <a:rPr lang="ko-KR" altLang="en-US" smtClean="0"/>
-              <a:t>2023-04-09</a:t>
+              <a:t>2023-04-13</a:t>
             </a:fld>
             <a:endParaRPr lang="ko-KR" altLang="en-US"/>
           </a:p>
@@ -7350,7 +7351,7 @@
         </p:nvSpPr>
         <p:spPr>
           <a:xfrm>
-            <a:off x="971600" y="1124744"/>
+            <a:off x="971600" y="1272320"/>
             <a:ext cx="5472608" cy="400110"/>
           </a:xfrm>
           <a:prstGeom prst="rect">
@@ -7393,7 +7394,7 @@
         </p:blipFill>
         <p:spPr>
           <a:xfrm>
-            <a:off x="1043608" y="1628800"/>
+            <a:off x="1041642" y="1955972"/>
             <a:ext cx="7130758" cy="672046"/>
           </a:xfrm>
           <a:prstGeom prst="rect">
@@ -7430,144 +7431,8 @@
         </p:blipFill>
         <p:spPr>
           <a:xfrm>
-            <a:off x="1057401" y="2563078"/>
+            <a:off x="1043608" y="3298716"/>
             <a:ext cx="7130758" cy="1078376"/>
-          </a:xfrm>
-          <a:prstGeom prst="rect">
-            <a:avLst/>
-          </a:prstGeom>
-          <a:ln>
-            <a:solidFill>
-              <a:schemeClr val="bg1">
-                <a:lumMod val="85000"/>
-              </a:schemeClr>
-            </a:solidFill>
-          </a:ln>
-        </p:spPr>
-      </p:pic>
-      <p:sp>
-        <p:nvSpPr>
-          <p:cNvPr id="12" name="TextBox 11"/>
-          <p:cNvSpPr txBox="1"/>
-          <p:nvPr/>
-        </p:nvSpPr>
-        <p:spPr>
-          <a:xfrm>
-            <a:off x="971600" y="3933055"/>
-            <a:ext cx="3096344" cy="369332"/>
-          </a:xfrm>
-          <a:prstGeom prst="rect">
-            <a:avLst/>
-          </a:prstGeom>
-          <a:noFill/>
-        </p:spPr>
-        <p:txBody>
-          <a:bodyPr wrap="square" rtlCol="0">
-            <a:spAutoFit/>
-          </a:bodyPr>
-          <a:lstStyle/>
-          <a:p>
-            <a:r>
-              <a:rPr lang="ko-KR" altLang="en-US" b="1" dirty="0" err="1"/>
-              <a:t>외래키</a:t>
-            </a:r>
-            <a:r>
-              <a:rPr lang="ko-KR" altLang="en-US" b="1" dirty="0"/>
-              <a:t> 제약 조건 삭제</a:t>
-            </a:r>
-          </a:p>
-        </p:txBody>
-      </p:sp>
-      <p:pic>
-        <p:nvPicPr>
-          <p:cNvPr id="8" name="그림 7"/>
-          <p:cNvPicPr>
-            <a:picLocks noChangeAspect="1"/>
-          </p:cNvPicPr>
-          <p:nvPr/>
-        </p:nvPicPr>
-        <p:blipFill>
-          <a:blip r:embed="rId4">
-            <a:extLst>
-              <a:ext uri="{28A0092B-C50C-407E-A947-70E740481C1C}">
-                <a14:useLocalDpi xmlns:a14="http://schemas.microsoft.com/office/drawing/2010/main" val="0"/>
-              </a:ext>
-            </a:extLst>
-          </a:blip>
-          <a:stretch>
-            <a:fillRect/>
-          </a:stretch>
-        </p:blipFill>
-        <p:spPr>
-          <a:xfrm>
-            <a:off x="1057401" y="4365103"/>
-            <a:ext cx="4480949" cy="472481"/>
-          </a:xfrm>
-          <a:prstGeom prst="rect">
-            <a:avLst/>
-          </a:prstGeom>
-          <a:ln>
-            <a:solidFill>
-              <a:schemeClr val="bg1">
-                <a:lumMod val="85000"/>
-              </a:schemeClr>
-            </a:solidFill>
-          </a:ln>
-        </p:spPr>
-      </p:pic>
-      <p:sp>
-        <p:nvSpPr>
-          <p:cNvPr id="13" name="TextBox 12"/>
-          <p:cNvSpPr txBox="1"/>
-          <p:nvPr/>
-        </p:nvSpPr>
-        <p:spPr>
-          <a:xfrm>
-            <a:off x="971600" y="5013176"/>
-            <a:ext cx="3096344" cy="369332"/>
-          </a:xfrm>
-          <a:prstGeom prst="rect">
-            <a:avLst/>
-          </a:prstGeom>
-          <a:noFill/>
-        </p:spPr>
-        <p:txBody>
-          <a:bodyPr wrap="square" rtlCol="0">
-            <a:spAutoFit/>
-          </a:bodyPr>
-          <a:lstStyle/>
-          <a:p>
-            <a:r>
-              <a:rPr lang="ko-KR" altLang="en-US" b="1" dirty="0"/>
-              <a:t>테이블 삭제</a:t>
-            </a:r>
-          </a:p>
-        </p:txBody>
-      </p:sp>
-      <p:pic>
-        <p:nvPicPr>
-          <p:cNvPr id="9" name="그림 8"/>
-          <p:cNvPicPr>
-            <a:picLocks noChangeAspect="1"/>
-          </p:cNvPicPr>
-          <p:nvPr/>
-        </p:nvPicPr>
-        <p:blipFill>
-          <a:blip r:embed="rId5">
-            <a:extLst>
-              <a:ext uri="{28A0092B-C50C-407E-A947-70E740481C1C}">
-                <a14:useLocalDpi xmlns:a14="http://schemas.microsoft.com/office/drawing/2010/main" val="0"/>
-              </a:ext>
-            </a:extLst>
-          </a:blip>
-          <a:stretch>
-            <a:fillRect/>
-          </a:stretch>
-        </p:blipFill>
-        <p:spPr>
-          <a:xfrm>
-            <a:off x="1030221" y="5445224"/>
-            <a:ext cx="4508129" cy="650658"/>
           </a:xfrm>
           <a:prstGeom prst="rect">
             <a:avLst/>
@@ -7624,35 +7489,38 @@
         <p:spPr/>
         <p:txBody>
           <a:bodyPr>
-            <a:normAutofit/>
+            <a:normAutofit fontScale="90000"/>
           </a:bodyPr>
           <a:lstStyle/>
           <a:p>
             <a:r>
-              <a:rPr lang="en-US" altLang="ko-KR" sz="2800" dirty="0"/>
+              <a:rPr lang="en-US" altLang="ko-KR" dirty="0"/>
               <a:t> </a:t>
             </a:r>
             <a:r>
-              <a:rPr lang="ko-KR" altLang="en-US" sz="2800" dirty="0"/>
-              <a:t>정규화</a:t>
-            </a:r>
-            <a:r>
-              <a:rPr lang="en-US" altLang="ko-KR" sz="2800" dirty="0"/>
-              <a:t> – </a:t>
-            </a:r>
-            <a:r>
-              <a:rPr lang="ko-KR" altLang="en-US" sz="2800" dirty="0"/>
-              <a:t>제</a:t>
-            </a:r>
-            <a:r>
-              <a:rPr lang="en-US" altLang="ko-KR" sz="2800" dirty="0"/>
-              <a:t>1 </a:t>
-            </a:r>
-            <a:r>
-              <a:rPr lang="ko-KR" altLang="en-US" sz="2800" dirty="0" err="1"/>
-              <a:t>정규형</a:t>
-            </a:r>
-            <a:endParaRPr lang="ko-KR" altLang="en-US" sz="2800" dirty="0"/>
+              <a:rPr lang="ko-KR" altLang="en-US" dirty="0"/>
+              <a:t>관계</a:t>
+            </a:r>
+            <a:r>
+              <a:rPr lang="en-US" altLang="ko-KR" dirty="0"/>
+              <a:t>(</a:t>
+            </a:r>
+            <a:r>
+              <a:rPr lang="en-US" altLang="ko-KR" dirty="0" err="1"/>
+              <a:t>Releation</a:t>
+            </a:r>
+            <a:r>
+              <a:rPr lang="en-US" altLang="ko-KR" dirty="0"/>
+              <a:t>) – </a:t>
+            </a:r>
+            <a:r>
+              <a:rPr lang="ko-KR" altLang="en-US" dirty="0" err="1"/>
+              <a:t>외래키</a:t>
+            </a:r>
+            <a:r>
+              <a:rPr lang="ko-KR" altLang="en-US" dirty="0"/>
+              <a:t> 제약</a:t>
+            </a:r>
           </a:p>
         </p:txBody>
       </p:sp>
@@ -7674,6 +7542,179 @@
             <a:fld id="{1BDE3FE7-3AEA-4B05-AC5A-802D1816ACF0}" type="slidenum">
               <a:rPr lang="ko-KR" altLang="en-US" smtClean="0"/>
               <a:t>16</a:t>
+            </a:fld>
+            <a:endParaRPr lang="ko-KR" altLang="en-US"/>
+          </a:p>
+        </p:txBody>
+      </p:sp>
+      <p:sp>
+        <p:nvSpPr>
+          <p:cNvPr id="6" name="TextBox 5"/>
+          <p:cNvSpPr txBox="1"/>
+          <p:nvPr/>
+        </p:nvSpPr>
+        <p:spPr>
+          <a:xfrm>
+            <a:off x="971600" y="1272320"/>
+            <a:ext cx="5472608" cy="400110"/>
+          </a:xfrm>
+          <a:prstGeom prst="rect">
+            <a:avLst/>
+          </a:prstGeom>
+          <a:noFill/>
+        </p:spPr>
+        <p:txBody>
+          <a:bodyPr wrap="square" rtlCol="0">
+            <a:spAutoFit/>
+          </a:bodyPr>
+          <a:lstStyle/>
+          <a:p>
+            <a:r>
+              <a:rPr lang="ko-KR" altLang="en-US" sz="2000" b="1" dirty="0" err="1" smtClean="0"/>
+              <a:t>외래키</a:t>
+            </a:r>
+            <a:r>
+              <a:rPr lang="ko-KR" altLang="en-US" sz="2000" b="1" dirty="0" smtClean="0"/>
+              <a:t> 제약 조건 </a:t>
+            </a:r>
+            <a:r>
+              <a:rPr lang="en-US" altLang="ko-KR" sz="2000" b="1" dirty="0" smtClean="0"/>
+              <a:t>– ON DELETE CASCADE</a:t>
+            </a:r>
+            <a:endParaRPr lang="ko-KR" altLang="en-US" sz="2000" b="1" dirty="0"/>
+          </a:p>
+        </p:txBody>
+      </p:sp>
+      <p:pic>
+        <p:nvPicPr>
+          <p:cNvPr id="7" name="그림 6"/>
+          <p:cNvPicPr>
+            <a:picLocks noChangeAspect="1"/>
+          </p:cNvPicPr>
+          <p:nvPr/>
+        </p:nvPicPr>
+        <p:blipFill>
+          <a:blip r:embed="rId2">
+            <a:extLst>
+              <a:ext uri="{28A0092B-C50C-407E-A947-70E740481C1C}">
+                <a14:useLocalDpi xmlns:a14="http://schemas.microsoft.com/office/drawing/2010/main" val="0"/>
+              </a:ext>
+            </a:extLst>
+          </a:blip>
+          <a:stretch>
+            <a:fillRect/>
+          </a:stretch>
+        </p:blipFill>
+        <p:spPr>
+          <a:xfrm>
+            <a:off x="1032047" y="1988840"/>
+            <a:ext cx="6950042" cy="2491956"/>
+          </a:xfrm>
+          <a:prstGeom prst="rect">
+            <a:avLst/>
+          </a:prstGeom>
+          <a:ln>
+            <a:solidFill>
+              <a:schemeClr val="bg1">
+                <a:lumMod val="85000"/>
+              </a:schemeClr>
+            </a:solidFill>
+          </a:ln>
+        </p:spPr>
+      </p:pic>
+    </p:spTree>
+    <p:extLst>
+      <p:ext uri="{BB962C8B-B14F-4D97-AF65-F5344CB8AC3E}">
+        <p14:creationId xmlns:p14="http://schemas.microsoft.com/office/powerpoint/2010/main" val="2760736604"/>
+      </p:ext>
+    </p:extLst>
+  </p:cSld>
+  <p:clrMapOvr>
+    <a:masterClrMapping/>
+  </p:clrMapOvr>
+</p:sld>
+</file>
+
+<file path=ppt/slides/slide17.xml><?xml version="1.0" encoding="utf-8"?>
+<p:sld xmlns:a="http://schemas.openxmlformats.org/drawingml/2006/main" xmlns:r="http://schemas.openxmlformats.org/officeDocument/2006/relationships" xmlns:p="http://schemas.openxmlformats.org/presentationml/2006/main">
+  <p:cSld>
+    <p:spTree>
+      <p:nvGrpSpPr>
+        <p:cNvPr id="1" name=""/>
+        <p:cNvGrpSpPr/>
+        <p:nvPr/>
+      </p:nvGrpSpPr>
+      <p:grpSpPr>
+        <a:xfrm>
+          <a:off x="0" y="0"/>
+          <a:ext cx="0" cy="0"/>
+          <a:chOff x="0" y="0"/>
+          <a:chExt cx="0" cy="0"/>
+        </a:xfrm>
+      </p:grpSpPr>
+      <p:sp>
+        <p:nvSpPr>
+          <p:cNvPr id="2" name="제목 1"/>
+          <p:cNvSpPr>
+            <a:spLocks noGrp="1"/>
+          </p:cNvSpPr>
+          <p:nvPr>
+            <p:ph type="title"/>
+          </p:nvPr>
+        </p:nvSpPr>
+        <p:spPr/>
+        <p:txBody>
+          <a:bodyPr>
+            <a:normAutofit/>
+          </a:bodyPr>
+          <a:lstStyle/>
+          <a:p>
+            <a:r>
+              <a:rPr lang="en-US" altLang="ko-KR" sz="2800" dirty="0"/>
+              <a:t> </a:t>
+            </a:r>
+            <a:r>
+              <a:rPr lang="ko-KR" altLang="en-US" sz="2800" dirty="0"/>
+              <a:t>정규화</a:t>
+            </a:r>
+            <a:r>
+              <a:rPr lang="en-US" altLang="ko-KR" sz="2800" dirty="0"/>
+              <a:t> – </a:t>
+            </a:r>
+            <a:r>
+              <a:rPr lang="ko-KR" altLang="en-US" sz="2800" dirty="0"/>
+              <a:t>제</a:t>
+            </a:r>
+            <a:r>
+              <a:rPr lang="en-US" altLang="ko-KR" sz="2800" dirty="0"/>
+              <a:t>1 </a:t>
+            </a:r>
+            <a:r>
+              <a:rPr lang="ko-KR" altLang="en-US" sz="2800" dirty="0" err="1"/>
+              <a:t>정규형</a:t>
+            </a:r>
+            <a:endParaRPr lang="ko-KR" altLang="en-US" sz="2800" dirty="0"/>
+          </a:p>
+        </p:txBody>
+      </p:sp>
+      <p:sp>
+        <p:nvSpPr>
+          <p:cNvPr id="4" name="슬라이드 번호 개체 틀 3"/>
+          <p:cNvSpPr>
+            <a:spLocks noGrp="1"/>
+          </p:cNvSpPr>
+          <p:nvPr>
+            <p:ph type="sldNum" sz="quarter" idx="12"/>
+          </p:nvPr>
+        </p:nvSpPr>
+        <p:spPr/>
+        <p:txBody>
+          <a:bodyPr/>
+          <a:lstStyle/>
+          <a:p>
+            <a:fld id="{1BDE3FE7-3AEA-4B05-AC5A-802D1816ACF0}" type="slidenum">
+              <a:rPr lang="ko-KR" altLang="en-US" smtClean="0"/>
+              <a:t>17</a:t>
             </a:fld>
             <a:endParaRPr lang="ko-KR" altLang="en-US"/>
           </a:p>
@@ -8443,7 +8484,7 @@
 </p:sld>
 </file>
 
-<file path=ppt/slides/slide17.xml><?xml version="1.0" encoding="utf-8"?>
+<file path=ppt/slides/slide18.xml><?xml version="1.0" encoding="utf-8"?>
 <p:sld xmlns:a="http://schemas.openxmlformats.org/drawingml/2006/main" xmlns:r="http://schemas.openxmlformats.org/officeDocument/2006/relationships" xmlns:p="http://schemas.openxmlformats.org/presentationml/2006/main">
   <p:cSld>
     <p:spTree>
@@ -8522,7 +8563,7 @@
           <a:p>
             <a:fld id="{1BDE3FE7-3AEA-4B05-AC5A-802D1816ACF0}" type="slidenum">
               <a:rPr lang="ko-KR" altLang="en-US" smtClean="0"/>
-              <a:t>17</a:t>
+              <a:t>18</a:t>
             </a:fld>
             <a:endParaRPr lang="ko-KR" altLang="en-US"/>
           </a:p>
@@ -9523,7 +9564,7 @@
 </p:sld>
 </file>
 
-<file path=ppt/slides/slide18.xml><?xml version="1.0" encoding="utf-8"?>
+<file path=ppt/slides/slide19.xml><?xml version="1.0" encoding="utf-8"?>
 <p:sld xmlns:a="http://schemas.openxmlformats.org/drawingml/2006/main" xmlns:r="http://schemas.openxmlformats.org/officeDocument/2006/relationships" xmlns:p="http://schemas.openxmlformats.org/presentationml/2006/main">
   <p:cSld>
     <p:spTree>
@@ -9602,7 +9643,7 @@
           <a:p>
             <a:fld id="{1BDE3FE7-3AEA-4B05-AC5A-802D1816ACF0}" type="slidenum">
               <a:rPr lang="ko-KR" altLang="en-US" smtClean="0"/>
-              <a:t>18</a:t>
+              <a:t>19</a:t>
             </a:fld>
             <a:endParaRPr lang="ko-KR" altLang="en-US"/>
           </a:p>
@@ -10675,1003 +10716,6 @@
     <p:extLst>
       <p:ext uri="{BB962C8B-B14F-4D97-AF65-F5344CB8AC3E}">
         <p14:creationId xmlns:p14="http://schemas.microsoft.com/office/powerpoint/2010/main" val="2560185077"/>
-      </p:ext>
-    </p:extLst>
-  </p:cSld>
-  <p:clrMapOvr>
-    <a:masterClrMapping/>
-  </p:clrMapOvr>
-</p:sld>
-</file>
-
-<file path=ppt/slides/slide19.xml><?xml version="1.0" encoding="utf-8"?>
-<p:sld xmlns:a="http://schemas.openxmlformats.org/drawingml/2006/main" xmlns:r="http://schemas.openxmlformats.org/officeDocument/2006/relationships" xmlns:p="http://schemas.openxmlformats.org/presentationml/2006/main">
-  <p:cSld>
-    <p:spTree>
-      <p:nvGrpSpPr>
-        <p:cNvPr id="1" name=""/>
-        <p:cNvGrpSpPr/>
-        <p:nvPr/>
-      </p:nvGrpSpPr>
-      <p:grpSpPr>
-        <a:xfrm>
-          <a:off x="0" y="0"/>
-          <a:ext cx="0" cy="0"/>
-          <a:chOff x="0" y="0"/>
-          <a:chExt cx="0" cy="0"/>
-        </a:xfrm>
-      </p:grpSpPr>
-      <p:sp>
-        <p:nvSpPr>
-          <p:cNvPr id="2" name="제목 1"/>
-          <p:cNvSpPr>
-            <a:spLocks noGrp="1"/>
-          </p:cNvSpPr>
-          <p:nvPr>
-            <p:ph type="title"/>
-          </p:nvPr>
-        </p:nvSpPr>
-        <p:spPr/>
-        <p:txBody>
-          <a:bodyPr>
-            <a:normAutofit/>
-          </a:bodyPr>
-          <a:lstStyle/>
-          <a:p>
-            <a:r>
-              <a:rPr lang="en-US" altLang="ko-KR" sz="2800" dirty="0"/>
-              <a:t> </a:t>
-            </a:r>
-            <a:r>
-              <a:rPr lang="ko-KR" altLang="en-US" sz="2800" dirty="0"/>
-              <a:t>정규화</a:t>
-            </a:r>
-            <a:r>
-              <a:rPr lang="en-US" altLang="ko-KR" sz="2800" dirty="0"/>
-              <a:t> – </a:t>
-            </a:r>
-            <a:r>
-              <a:rPr lang="ko-KR" altLang="en-US" sz="2800" dirty="0"/>
-              <a:t>제</a:t>
-            </a:r>
-            <a:r>
-              <a:rPr lang="en-US" altLang="ko-KR" sz="2800" dirty="0"/>
-              <a:t>3 </a:t>
-            </a:r>
-            <a:r>
-              <a:rPr lang="ko-KR" altLang="en-US" sz="2800" dirty="0" err="1"/>
-              <a:t>정규형</a:t>
-            </a:r>
-            <a:endParaRPr lang="ko-KR" altLang="en-US" sz="2800" dirty="0"/>
-          </a:p>
-        </p:txBody>
-      </p:sp>
-      <p:sp>
-        <p:nvSpPr>
-          <p:cNvPr id="4" name="슬라이드 번호 개체 틀 3"/>
-          <p:cNvSpPr>
-            <a:spLocks noGrp="1"/>
-          </p:cNvSpPr>
-          <p:nvPr>
-            <p:ph type="sldNum" sz="quarter" idx="12"/>
-          </p:nvPr>
-        </p:nvSpPr>
-        <p:spPr/>
-        <p:txBody>
-          <a:bodyPr/>
-          <a:lstStyle/>
-          <a:p>
-            <a:fld id="{1BDE3FE7-3AEA-4B05-AC5A-802D1816ACF0}" type="slidenum">
-              <a:rPr lang="ko-KR" altLang="en-US" smtClean="0"/>
-              <a:t>19</a:t>
-            </a:fld>
-            <a:endParaRPr lang="ko-KR" altLang="en-US"/>
-          </a:p>
-        </p:txBody>
-      </p:sp>
-      <p:sp>
-        <p:nvSpPr>
-          <p:cNvPr id="6" name="TextBox 5"/>
-          <p:cNvSpPr txBox="1"/>
-          <p:nvPr/>
-        </p:nvSpPr>
-        <p:spPr>
-          <a:xfrm>
-            <a:off x="755576" y="1124744"/>
-            <a:ext cx="1656184" cy="400110"/>
-          </a:xfrm>
-          <a:prstGeom prst="rect">
-            <a:avLst/>
-          </a:prstGeom>
-          <a:noFill/>
-        </p:spPr>
-        <p:txBody>
-          <a:bodyPr wrap="square" rtlCol="0">
-            <a:spAutoFit/>
-          </a:bodyPr>
-          <a:lstStyle/>
-          <a:p>
-            <a:r>
-              <a:rPr lang="ko-KR" altLang="en-US" sz="2000" b="1" dirty="0"/>
-              <a:t>제</a:t>
-            </a:r>
-            <a:r>
-              <a:rPr lang="en-US" altLang="ko-KR" sz="2000" b="1" dirty="0"/>
-              <a:t>3 </a:t>
-            </a:r>
-            <a:r>
-              <a:rPr lang="ko-KR" altLang="en-US" sz="2000" b="1" dirty="0" err="1"/>
-              <a:t>정규형</a:t>
-            </a:r>
-            <a:endParaRPr lang="ko-KR" altLang="en-US" sz="2000" b="1" dirty="0"/>
-          </a:p>
-        </p:txBody>
-      </p:sp>
-      <p:sp>
-        <p:nvSpPr>
-          <p:cNvPr id="3" name="TextBox 2"/>
-          <p:cNvSpPr txBox="1"/>
-          <p:nvPr/>
-        </p:nvSpPr>
-        <p:spPr>
-          <a:xfrm>
-            <a:off x="817240" y="1484784"/>
-            <a:ext cx="7715200" cy="830997"/>
-          </a:xfrm>
-          <a:prstGeom prst="rect">
-            <a:avLst/>
-          </a:prstGeom>
-          <a:noFill/>
-        </p:spPr>
-        <p:txBody>
-          <a:bodyPr wrap="square" rtlCol="0">
-            <a:spAutoFit/>
-          </a:bodyPr>
-          <a:lstStyle/>
-          <a:p>
-            <a:r>
-              <a:rPr lang="ko-KR" altLang="en-US" sz="1600" dirty="0"/>
-              <a:t>속성들이 이행적으로 종속되어 있는지 여부를 판단하는 것이다</a:t>
-            </a:r>
-            <a:r>
-              <a:rPr lang="en-US" altLang="ko-KR" sz="1600" dirty="0"/>
-              <a:t>.</a:t>
-            </a:r>
-          </a:p>
-          <a:p>
-            <a:r>
-              <a:rPr lang="ko-KR" altLang="en-US" sz="1600" dirty="0"/>
-              <a:t>릴레이션 </a:t>
-            </a:r>
-            <a:r>
-              <a:rPr lang="en-US" altLang="ko-KR" sz="1600" dirty="0"/>
-              <a:t>R</a:t>
-            </a:r>
-            <a:r>
-              <a:rPr lang="ko-KR" altLang="en-US" sz="1600" dirty="0"/>
-              <a:t>이 제 </a:t>
-            </a:r>
-            <a:r>
-              <a:rPr lang="en-US" altLang="ko-KR" sz="1600" dirty="0"/>
-              <a:t>2 </a:t>
-            </a:r>
-            <a:r>
-              <a:rPr lang="ko-KR" altLang="en-US" sz="1600" dirty="0" err="1"/>
-              <a:t>정규형이고</a:t>
-            </a:r>
-            <a:r>
-              <a:rPr lang="en-US" altLang="ko-KR" sz="1600" dirty="0"/>
-              <a:t> </a:t>
-            </a:r>
-            <a:r>
-              <a:rPr lang="ko-KR" altLang="en-US" sz="1600" dirty="0"/>
-              <a:t>기본키가 아닌 속성이 기본키에 비이행적으로 </a:t>
-            </a:r>
-            <a:r>
-              <a:rPr lang="ko-KR" altLang="en-US" sz="1600" dirty="0" err="1"/>
-              <a:t>종속할때</a:t>
-            </a:r>
-            <a:r>
-              <a:rPr lang="en-US" altLang="ko-KR" sz="1600" dirty="0"/>
-              <a:t>(</a:t>
-            </a:r>
-            <a:r>
-              <a:rPr lang="ko-KR" altLang="en-US" sz="1600" dirty="0"/>
-              <a:t>직접 종속</a:t>
-            </a:r>
-            <a:r>
-              <a:rPr lang="en-US" altLang="ko-KR" sz="1600" dirty="0"/>
-              <a:t>) </a:t>
-            </a:r>
-            <a:r>
-              <a:rPr lang="ko-KR" altLang="en-US" sz="1600" dirty="0"/>
-              <a:t>제</a:t>
-            </a:r>
-            <a:r>
-              <a:rPr lang="en-US" altLang="ko-KR" sz="1600" dirty="0"/>
-              <a:t>3 </a:t>
-            </a:r>
-            <a:r>
-              <a:rPr lang="ko-KR" altLang="en-US" sz="1600" dirty="0" err="1"/>
-              <a:t>정규형이라고</a:t>
-            </a:r>
-            <a:r>
-              <a:rPr lang="ko-KR" altLang="en-US" sz="1600" dirty="0"/>
-              <a:t> 한다</a:t>
-            </a:r>
-            <a:r>
-              <a:rPr lang="en-US" altLang="ko-KR" sz="1600" dirty="0"/>
-              <a:t>.</a:t>
-            </a:r>
-            <a:endParaRPr lang="ko-KR" altLang="en-US" sz="1600" dirty="0"/>
-          </a:p>
-        </p:txBody>
-      </p:sp>
-      <p:graphicFrame>
-        <p:nvGraphicFramePr>
-          <p:cNvPr id="11" name="내용 개체 틀 4">
-            <a:extLst>
-              <a:ext uri="{FF2B5EF4-FFF2-40B4-BE49-F238E27FC236}">
-                <a16:creationId xmlns:a16="http://schemas.microsoft.com/office/drawing/2014/main" id="{BB556DAE-2E4E-4F67-9F8B-2E14433D1170}"/>
-              </a:ext>
-            </a:extLst>
-          </p:cNvPr>
-          <p:cNvGraphicFramePr>
-            <a:graphicFrameLocks/>
-          </p:cNvGraphicFramePr>
-          <p:nvPr>
-            <p:extLst>
-              <p:ext uri="{D42A27DB-BD31-4B8C-83A1-F6EECF244321}">
-                <p14:modId xmlns:p14="http://schemas.microsoft.com/office/powerpoint/2010/main" val="1666700605"/>
-              </p:ext>
-            </p:extLst>
-          </p:nvPr>
-        </p:nvGraphicFramePr>
-        <p:xfrm>
-          <a:off x="939045" y="2783660"/>
-          <a:ext cx="3416933" cy="2369656"/>
-        </p:xfrm>
-        <a:graphic>
-          <a:graphicData uri="http://schemas.openxmlformats.org/drawingml/2006/table">
-            <a:tbl>
-              <a:tblPr firstRow="1">
-                <a:tableStyleId>{5940675A-B579-460E-94D1-54222C63F5DA}</a:tableStyleId>
-              </a:tblPr>
-              <a:tblGrid>
-                <a:gridCol w="822595">
-                  <a:extLst>
-                    <a:ext uri="{9D8B030D-6E8A-4147-A177-3AD203B41FA5}">
-                      <a16:colId xmlns:a16="http://schemas.microsoft.com/office/drawing/2014/main" val="20000"/>
-                    </a:ext>
-                  </a:extLst>
-                </a:gridCol>
-                <a:gridCol w="1586224">
-                  <a:extLst>
-                    <a:ext uri="{9D8B030D-6E8A-4147-A177-3AD203B41FA5}">
-                      <a16:colId xmlns:a16="http://schemas.microsoft.com/office/drawing/2014/main" val="20001"/>
-                    </a:ext>
-                  </a:extLst>
-                </a:gridCol>
-                <a:gridCol w="1008114">
-                  <a:extLst>
-                    <a:ext uri="{9D8B030D-6E8A-4147-A177-3AD203B41FA5}">
-                      <a16:colId xmlns:a16="http://schemas.microsoft.com/office/drawing/2014/main" val="20003"/>
-                    </a:ext>
-                  </a:extLst>
-                </a:gridCol>
-              </a:tblGrid>
-              <a:tr h="493940">
-                <a:tc>
-                  <a:txBody>
-                    <a:bodyPr/>
-                    <a:lstStyle/>
-                    <a:p>
-                      <a:pPr algn="ctr" latinLnBrk="1"/>
-                      <a:r>
-                        <a:rPr lang="ko-KR" altLang="en-US" sz="1400" dirty="0"/>
-                        <a:t>학생</a:t>
-                      </a:r>
-                      <a:endParaRPr lang="en-US" altLang="ko-KR" sz="1400" dirty="0"/>
-                    </a:p>
-                    <a:p>
-                      <a:pPr algn="ctr" latinLnBrk="1"/>
-                      <a:r>
-                        <a:rPr lang="ko-KR" altLang="en-US" sz="1400" dirty="0"/>
-                        <a:t>번호</a:t>
-                      </a:r>
-                    </a:p>
-                  </a:txBody>
-                  <a:tcPr anchor="ctr">
-                    <a:solidFill>
-                      <a:schemeClr val="accent5">
-                        <a:lumMod val="20000"/>
-                        <a:lumOff val="80000"/>
-                      </a:schemeClr>
-                    </a:solidFill>
-                  </a:tcPr>
-                </a:tc>
-                <a:tc>
-                  <a:txBody>
-                    <a:bodyPr/>
-                    <a:lstStyle/>
-                    <a:p>
-                      <a:pPr algn="ctr" latinLnBrk="1"/>
-                      <a:r>
-                        <a:rPr lang="ko-KR" altLang="en-US" sz="1400" dirty="0" err="1"/>
-                        <a:t>강좌이름</a:t>
-                      </a:r>
-                      <a:endParaRPr lang="ko-KR" altLang="en-US" sz="1400" dirty="0"/>
-                    </a:p>
-                  </a:txBody>
-                  <a:tcPr anchor="ctr">
-                    <a:solidFill>
-                      <a:schemeClr val="accent5">
-                        <a:lumMod val="20000"/>
-                        <a:lumOff val="80000"/>
-                      </a:schemeClr>
-                    </a:solidFill>
-                  </a:tcPr>
-                </a:tc>
-                <a:tc>
-                  <a:txBody>
-                    <a:bodyPr/>
-                    <a:lstStyle/>
-                    <a:p>
-                      <a:pPr algn="ctr" latinLnBrk="1"/>
-                      <a:r>
-                        <a:rPr lang="ko-KR" altLang="en-US" sz="1400" dirty="0"/>
-                        <a:t>수강료</a:t>
-                      </a:r>
-                    </a:p>
-                  </a:txBody>
-                  <a:tcPr anchor="ctr">
-                    <a:solidFill>
-                      <a:schemeClr val="accent5">
-                        <a:lumMod val="20000"/>
-                        <a:lumOff val="80000"/>
-                      </a:schemeClr>
-                    </a:solidFill>
-                  </a:tcPr>
-                </a:tc>
-                <a:extLst>
-                  <a:ext uri="{0D108BD9-81ED-4DB2-BD59-A6C34878D82A}">
-                    <a16:rowId xmlns:a16="http://schemas.microsoft.com/office/drawing/2014/main" val="10000"/>
-                  </a:ext>
-                </a:extLst>
-              </a:tr>
-              <a:tr h="462874">
-                <a:tc>
-                  <a:txBody>
-                    <a:bodyPr/>
-                    <a:lstStyle/>
-                    <a:p>
-                      <a:pPr algn="ctr" latinLnBrk="1"/>
-                      <a:r>
-                        <a:rPr lang="en-US" altLang="ko-KR" sz="1400" dirty="0"/>
-                        <a:t>501</a:t>
-                      </a:r>
-                      <a:endParaRPr lang="ko-KR" altLang="en-US" sz="1400" dirty="0"/>
-                    </a:p>
-                  </a:txBody>
-                  <a:tcPr anchor="ctr"/>
-                </a:tc>
-                <a:tc>
-                  <a:txBody>
-                    <a:bodyPr/>
-                    <a:lstStyle/>
-                    <a:p>
-                      <a:pPr algn="ctr" latinLnBrk="1"/>
-                      <a:r>
-                        <a:rPr lang="ko-KR" altLang="en-US" sz="1400" dirty="0"/>
-                        <a:t>데이터베이스</a:t>
-                      </a:r>
-                    </a:p>
-                  </a:txBody>
-                  <a:tcPr anchor="ctr"/>
-                </a:tc>
-                <a:tc>
-                  <a:txBody>
-                    <a:bodyPr/>
-                    <a:lstStyle/>
-                    <a:p>
-                      <a:pPr algn="ctr" latinLnBrk="1"/>
-                      <a:r>
-                        <a:rPr lang="en-US" altLang="ko-KR" sz="1400" dirty="0"/>
-                        <a:t>20000</a:t>
-                      </a:r>
-                      <a:endParaRPr lang="ko-KR" altLang="en-US" sz="1400" dirty="0"/>
-                    </a:p>
-                  </a:txBody>
-                  <a:tcPr anchor="ctr"/>
-                </a:tc>
-                <a:extLst>
-                  <a:ext uri="{0D108BD9-81ED-4DB2-BD59-A6C34878D82A}">
-                    <a16:rowId xmlns:a16="http://schemas.microsoft.com/office/drawing/2014/main" val="10001"/>
-                  </a:ext>
-                </a:extLst>
-              </a:tr>
-              <a:tr h="462874">
-                <a:tc>
-                  <a:txBody>
-                    <a:bodyPr/>
-                    <a:lstStyle/>
-                    <a:p>
-                      <a:pPr algn="ctr" latinLnBrk="1"/>
-                      <a:r>
-                        <a:rPr lang="en-US" altLang="ko-KR" sz="1400" dirty="0"/>
-                        <a:t>401</a:t>
-                      </a:r>
-                      <a:endParaRPr lang="ko-KR" altLang="en-US" sz="1400" dirty="0"/>
-                    </a:p>
-                  </a:txBody>
-                  <a:tcPr anchor="ctr"/>
-                </a:tc>
-                <a:tc>
-                  <a:txBody>
-                    <a:bodyPr/>
-                    <a:lstStyle/>
-                    <a:p>
-                      <a:pPr marL="0" marR="0" lvl="0" indent="0" algn="ctr" defTabSz="914400" rtl="0" eaLnBrk="1" fontAlgn="auto" latinLnBrk="1" hangingPunct="1">
-                        <a:lnSpc>
-                          <a:spcPct val="100000"/>
-                        </a:lnSpc>
-                        <a:spcBef>
-                          <a:spcPts val="0"/>
-                        </a:spcBef>
-                        <a:spcAft>
-                          <a:spcPts val="0"/>
-                        </a:spcAft>
-                        <a:buClrTx/>
-                        <a:buSzTx/>
-                        <a:buFontTx/>
-                        <a:buNone/>
-                        <a:tabLst/>
-                        <a:defRPr/>
-                      </a:pPr>
-                      <a:r>
-                        <a:rPr lang="ko-KR" altLang="en-US" sz="1400" dirty="0"/>
-                        <a:t>데이터베이스</a:t>
-                      </a:r>
-                    </a:p>
-                  </a:txBody>
-                  <a:tcPr anchor="ctr"/>
-                </a:tc>
-                <a:tc>
-                  <a:txBody>
-                    <a:bodyPr/>
-                    <a:lstStyle/>
-                    <a:p>
-                      <a:pPr algn="ctr" latinLnBrk="1"/>
-                      <a:r>
-                        <a:rPr lang="en-US" altLang="ko-KR" sz="1400" dirty="0"/>
-                        <a:t>20000</a:t>
-                      </a:r>
-                      <a:endParaRPr lang="ko-KR" altLang="en-US" sz="1400" dirty="0"/>
-                    </a:p>
-                  </a:txBody>
-                  <a:tcPr anchor="ctr"/>
-                </a:tc>
-                <a:extLst>
-                  <a:ext uri="{0D108BD9-81ED-4DB2-BD59-A6C34878D82A}">
-                    <a16:rowId xmlns:a16="http://schemas.microsoft.com/office/drawing/2014/main" val="10002"/>
-                  </a:ext>
-                </a:extLst>
-              </a:tr>
-              <a:tr h="462874">
-                <a:tc>
-                  <a:txBody>
-                    <a:bodyPr/>
-                    <a:lstStyle/>
-                    <a:p>
-                      <a:pPr algn="ctr" latinLnBrk="1"/>
-                      <a:r>
-                        <a:rPr lang="en-US" altLang="ko-KR" sz="1400" dirty="0"/>
-                        <a:t>402</a:t>
-                      </a:r>
-                      <a:endParaRPr lang="ko-KR" altLang="en-US" sz="1400" dirty="0"/>
-                    </a:p>
-                  </a:txBody>
-                  <a:tcPr anchor="ctr"/>
-                </a:tc>
-                <a:tc>
-                  <a:txBody>
-                    <a:bodyPr/>
-                    <a:lstStyle/>
-                    <a:p>
-                      <a:pPr algn="ctr" latinLnBrk="1"/>
-                      <a:r>
-                        <a:rPr lang="ko-KR" altLang="en-US" sz="1400" dirty="0"/>
-                        <a:t>스포츠경영학</a:t>
-                      </a:r>
-                    </a:p>
-                  </a:txBody>
-                  <a:tcPr anchor="ctr"/>
-                </a:tc>
-                <a:tc>
-                  <a:txBody>
-                    <a:bodyPr/>
-                    <a:lstStyle/>
-                    <a:p>
-                      <a:pPr algn="ctr" latinLnBrk="1"/>
-                      <a:r>
-                        <a:rPr lang="en-US" altLang="ko-KR" sz="1400" dirty="0"/>
-                        <a:t>15000</a:t>
-                      </a:r>
-                      <a:endParaRPr lang="ko-KR" altLang="en-US" sz="1400" dirty="0"/>
-                    </a:p>
-                  </a:txBody>
-                  <a:tcPr anchor="ctr"/>
-                </a:tc>
-                <a:extLst>
-                  <a:ext uri="{0D108BD9-81ED-4DB2-BD59-A6C34878D82A}">
-                    <a16:rowId xmlns:a16="http://schemas.microsoft.com/office/drawing/2014/main" val="10004"/>
-                  </a:ext>
-                </a:extLst>
-              </a:tr>
-              <a:tr h="462874">
-                <a:tc>
-                  <a:txBody>
-                    <a:bodyPr/>
-                    <a:lstStyle/>
-                    <a:p>
-                      <a:pPr algn="ctr" latinLnBrk="1"/>
-                      <a:r>
-                        <a:rPr lang="en-US" altLang="ko-KR" sz="1400" dirty="0"/>
-                        <a:t>502</a:t>
-                      </a:r>
-                      <a:endParaRPr lang="ko-KR" altLang="en-US" sz="1400" dirty="0"/>
-                    </a:p>
-                  </a:txBody>
-                  <a:tcPr anchor="ctr"/>
-                </a:tc>
-                <a:tc>
-                  <a:txBody>
-                    <a:bodyPr/>
-                    <a:lstStyle/>
-                    <a:p>
-                      <a:pPr algn="ctr" latinLnBrk="1"/>
-                      <a:r>
-                        <a:rPr lang="ko-KR" altLang="en-US" sz="1400" dirty="0"/>
-                        <a:t>자료구조</a:t>
-                      </a:r>
-                    </a:p>
-                  </a:txBody>
-                  <a:tcPr anchor="ctr"/>
-                </a:tc>
-                <a:tc>
-                  <a:txBody>
-                    <a:bodyPr/>
-                    <a:lstStyle/>
-                    <a:p>
-                      <a:pPr algn="ctr" latinLnBrk="1"/>
-                      <a:r>
-                        <a:rPr lang="en-US" altLang="ko-KR" sz="1400" dirty="0"/>
-                        <a:t>25000</a:t>
-                      </a:r>
-                      <a:endParaRPr lang="ko-KR" altLang="en-US" sz="1400" dirty="0"/>
-                    </a:p>
-                  </a:txBody>
-                  <a:tcPr anchor="ctr"/>
-                </a:tc>
-                <a:extLst>
-                  <a:ext uri="{0D108BD9-81ED-4DB2-BD59-A6C34878D82A}">
-                    <a16:rowId xmlns:a16="http://schemas.microsoft.com/office/drawing/2014/main" val="1026944876"/>
-                  </a:ext>
-                </a:extLst>
-              </a:tr>
-            </a:tbl>
-          </a:graphicData>
-        </a:graphic>
-      </p:graphicFrame>
-      <p:sp>
-        <p:nvSpPr>
-          <p:cNvPr id="5" name="TextBox 4"/>
-          <p:cNvSpPr txBox="1"/>
-          <p:nvPr/>
-        </p:nvSpPr>
-        <p:spPr>
-          <a:xfrm>
-            <a:off x="4746849" y="3573016"/>
-            <a:ext cx="1008112" cy="338554"/>
-          </a:xfrm>
-          <a:prstGeom prst="rect">
-            <a:avLst/>
-          </a:prstGeom>
-        </p:spPr>
-        <p:style>
-          <a:lnRef idx="1">
-            <a:schemeClr val="accent1"/>
-          </a:lnRef>
-          <a:fillRef idx="2">
-            <a:schemeClr val="accent1"/>
-          </a:fillRef>
-          <a:effectRef idx="1">
-            <a:schemeClr val="accent1"/>
-          </a:effectRef>
-          <a:fontRef idx="minor">
-            <a:schemeClr val="dk1"/>
-          </a:fontRef>
-        </p:style>
-        <p:txBody>
-          <a:bodyPr wrap="square" rtlCol="0">
-            <a:spAutoFit/>
-          </a:bodyPr>
-          <a:lstStyle/>
-          <a:p>
-            <a:r>
-              <a:rPr lang="ko-KR" altLang="en-US" sz="1600"/>
-              <a:t>학생번호</a:t>
-            </a:r>
-            <a:endParaRPr lang="ko-KR" altLang="en-US" sz="1600" dirty="0"/>
-          </a:p>
-        </p:txBody>
-      </p:sp>
-      <p:sp>
-        <p:nvSpPr>
-          <p:cNvPr id="12" name="TextBox 11"/>
-          <p:cNvSpPr txBox="1"/>
-          <p:nvPr/>
-        </p:nvSpPr>
-        <p:spPr>
-          <a:xfrm>
-            <a:off x="6228184" y="3573016"/>
-            <a:ext cx="1008112" cy="338554"/>
-          </a:xfrm>
-          <a:prstGeom prst="rect">
-            <a:avLst/>
-          </a:prstGeom>
-        </p:spPr>
-        <p:style>
-          <a:lnRef idx="1">
-            <a:schemeClr val="accent1"/>
-          </a:lnRef>
-          <a:fillRef idx="2">
-            <a:schemeClr val="accent1"/>
-          </a:fillRef>
-          <a:effectRef idx="1">
-            <a:schemeClr val="accent1"/>
-          </a:effectRef>
-          <a:fontRef idx="minor">
-            <a:schemeClr val="dk1"/>
-          </a:fontRef>
-        </p:style>
-        <p:txBody>
-          <a:bodyPr wrap="square" rtlCol="0">
-            <a:spAutoFit/>
-          </a:bodyPr>
-          <a:lstStyle/>
-          <a:p>
-            <a:r>
-              <a:rPr lang="ko-KR" altLang="en-US" sz="1600" dirty="0" err="1"/>
-              <a:t>강좌이름</a:t>
-            </a:r>
-            <a:endParaRPr lang="ko-KR" altLang="en-US" sz="1600" dirty="0"/>
-          </a:p>
-        </p:txBody>
-      </p:sp>
-      <p:sp>
-        <p:nvSpPr>
-          <p:cNvPr id="17" name="TextBox 16"/>
-          <p:cNvSpPr txBox="1"/>
-          <p:nvPr/>
-        </p:nvSpPr>
-        <p:spPr>
-          <a:xfrm>
-            <a:off x="7678688" y="3573016"/>
-            <a:ext cx="1008112" cy="338554"/>
-          </a:xfrm>
-          <a:prstGeom prst="rect">
-            <a:avLst/>
-          </a:prstGeom>
-        </p:spPr>
-        <p:style>
-          <a:lnRef idx="1">
-            <a:schemeClr val="accent1"/>
-          </a:lnRef>
-          <a:fillRef idx="2">
-            <a:schemeClr val="accent1"/>
-          </a:fillRef>
-          <a:effectRef idx="1">
-            <a:schemeClr val="accent1"/>
-          </a:effectRef>
-          <a:fontRef idx="minor">
-            <a:schemeClr val="dk1"/>
-          </a:fontRef>
-        </p:style>
-        <p:txBody>
-          <a:bodyPr wrap="square" rtlCol="0">
-            <a:spAutoFit/>
-          </a:bodyPr>
-          <a:lstStyle/>
-          <a:p>
-            <a:pPr algn="ctr"/>
-            <a:r>
-              <a:rPr lang="ko-KR" altLang="en-US" sz="1600" dirty="0"/>
-              <a:t>수강료</a:t>
-            </a:r>
-          </a:p>
-        </p:txBody>
-      </p:sp>
-      <p:cxnSp>
-        <p:nvCxnSpPr>
-          <p:cNvPr id="21" name="직선 화살표 연결선 20"/>
-          <p:cNvCxnSpPr>
-            <a:stCxn id="12" idx="3"/>
-            <a:endCxn id="17" idx="1"/>
-          </p:cNvCxnSpPr>
-          <p:nvPr/>
-        </p:nvCxnSpPr>
-        <p:spPr>
-          <a:xfrm>
-            <a:off x="7236296" y="3742293"/>
-            <a:ext cx="442392" cy="0"/>
-          </a:xfrm>
-          <a:prstGeom prst="straightConnector1">
-            <a:avLst/>
-          </a:prstGeom>
-          <a:ln>
-            <a:tailEnd type="triangle"/>
-          </a:ln>
-        </p:spPr>
-        <p:style>
-          <a:lnRef idx="1">
-            <a:schemeClr val="accent1"/>
-          </a:lnRef>
-          <a:fillRef idx="0">
-            <a:schemeClr val="accent1"/>
-          </a:fillRef>
-          <a:effectRef idx="0">
-            <a:schemeClr val="accent1"/>
-          </a:effectRef>
-          <a:fontRef idx="minor">
-            <a:schemeClr val="tx1"/>
-          </a:fontRef>
-        </p:style>
-      </p:cxnSp>
-      <p:sp>
-        <p:nvSpPr>
-          <p:cNvPr id="23" name="TextBox 22"/>
-          <p:cNvSpPr txBox="1"/>
-          <p:nvPr/>
-        </p:nvSpPr>
-        <p:spPr>
-          <a:xfrm>
-            <a:off x="922004" y="2420888"/>
-            <a:ext cx="1201723" cy="338554"/>
-          </a:xfrm>
-          <a:prstGeom prst="rect">
-            <a:avLst/>
-          </a:prstGeom>
-          <a:noFill/>
-        </p:spPr>
-        <p:txBody>
-          <a:bodyPr wrap="square" rtlCol="0">
-            <a:spAutoFit/>
-          </a:bodyPr>
-          <a:lstStyle/>
-          <a:p>
-            <a:r>
-              <a:rPr lang="ko-KR" altLang="en-US" sz="1600" dirty="0"/>
-              <a:t>계절학기</a:t>
-            </a:r>
-          </a:p>
-        </p:txBody>
-      </p:sp>
-      <p:cxnSp>
-        <p:nvCxnSpPr>
-          <p:cNvPr id="10" name="직선 화살표 연결선 9">
-            <a:extLst>
-              <a:ext uri="{FF2B5EF4-FFF2-40B4-BE49-F238E27FC236}">
-                <a16:creationId xmlns:a16="http://schemas.microsoft.com/office/drawing/2014/main" id="{93DC6214-3AF3-4235-8134-E3438C81B603}"/>
-              </a:ext>
-            </a:extLst>
-          </p:cNvPr>
-          <p:cNvCxnSpPr>
-            <a:stCxn id="5" idx="3"/>
-            <a:endCxn id="12" idx="1"/>
-          </p:cNvCxnSpPr>
-          <p:nvPr/>
-        </p:nvCxnSpPr>
-        <p:spPr>
-          <a:xfrm>
-            <a:off x="5754961" y="3742293"/>
-            <a:ext cx="473223" cy="0"/>
-          </a:xfrm>
-          <a:prstGeom prst="straightConnector1">
-            <a:avLst/>
-          </a:prstGeom>
-          <a:ln>
-            <a:tailEnd type="triangle"/>
-          </a:ln>
-        </p:spPr>
-        <p:style>
-          <a:lnRef idx="1">
-            <a:schemeClr val="accent1"/>
-          </a:lnRef>
-          <a:fillRef idx="0">
-            <a:schemeClr val="accent1"/>
-          </a:fillRef>
-          <a:effectRef idx="0">
-            <a:schemeClr val="accent1"/>
-          </a:effectRef>
-          <a:fontRef idx="minor">
-            <a:schemeClr val="tx1"/>
-          </a:fontRef>
-        </p:style>
-      </p:cxnSp>
-      <p:cxnSp>
-        <p:nvCxnSpPr>
-          <p:cNvPr id="16" name="연결선: 꺾임 15">
-            <a:extLst>
-              <a:ext uri="{FF2B5EF4-FFF2-40B4-BE49-F238E27FC236}">
-                <a16:creationId xmlns:a16="http://schemas.microsoft.com/office/drawing/2014/main" id="{01BB36A6-B33B-4F88-9405-E06A242173AD}"/>
-              </a:ext>
-            </a:extLst>
-          </p:cNvPr>
-          <p:cNvCxnSpPr>
-            <a:stCxn id="5" idx="2"/>
-            <a:endCxn id="17" idx="2"/>
-          </p:cNvCxnSpPr>
-          <p:nvPr/>
-        </p:nvCxnSpPr>
-        <p:spPr>
-          <a:xfrm rot="16200000" flipH="1">
-            <a:off x="6716824" y="2445650"/>
-            <a:ext cx="12700" cy="2931839"/>
-          </a:xfrm>
-          <a:prstGeom prst="bentConnector3">
-            <a:avLst>
-              <a:gd name="adj1" fmla="val 2325016"/>
-            </a:avLst>
-          </a:prstGeom>
-          <a:ln w="19050">
-            <a:prstDash val="sysDash"/>
-            <a:tailEnd type="triangle"/>
-          </a:ln>
-        </p:spPr>
-        <p:style>
-          <a:lnRef idx="1">
-            <a:schemeClr val="accent1"/>
-          </a:lnRef>
-          <a:fillRef idx="0">
-            <a:schemeClr val="accent1"/>
-          </a:fillRef>
-          <a:effectRef idx="0">
-            <a:schemeClr val="accent1"/>
-          </a:effectRef>
-          <a:fontRef idx="minor">
-            <a:schemeClr val="tx1"/>
-          </a:fontRef>
-        </p:style>
-      </p:cxnSp>
-      <p:sp>
-        <p:nvSpPr>
-          <p:cNvPr id="22" name="TextBox 21">
-            <a:extLst>
-              <a:ext uri="{FF2B5EF4-FFF2-40B4-BE49-F238E27FC236}">
-                <a16:creationId xmlns:a16="http://schemas.microsoft.com/office/drawing/2014/main" id="{2136C1C2-21BF-455E-8204-CD4E27175990}"/>
-              </a:ext>
-            </a:extLst>
-          </p:cNvPr>
-          <p:cNvSpPr txBox="1"/>
-          <p:nvPr/>
-        </p:nvSpPr>
-        <p:spPr>
-          <a:xfrm>
-            <a:off x="933390" y="5333333"/>
-            <a:ext cx="7715200" cy="1077218"/>
-          </a:xfrm>
-          <a:prstGeom prst="rect">
-            <a:avLst/>
-          </a:prstGeom>
-          <a:noFill/>
-        </p:spPr>
-        <p:txBody>
-          <a:bodyPr wrap="square" rtlCol="0">
-            <a:spAutoFit/>
-          </a:bodyPr>
-          <a:lstStyle/>
-          <a:p>
-            <a:r>
-              <a:rPr lang="ko-KR" altLang="en-US" sz="1600" dirty="0"/>
-              <a:t>계절학기 릴레이션의 기본키는 </a:t>
-            </a:r>
-            <a:r>
-              <a:rPr lang="ko-KR" altLang="en-US" sz="1600" dirty="0" err="1"/>
-              <a:t>학생번호이고</a:t>
-            </a:r>
-            <a:r>
-              <a:rPr lang="en-US" altLang="ko-KR" sz="1600" dirty="0"/>
-              <a:t>, </a:t>
-            </a:r>
-            <a:r>
-              <a:rPr lang="ko-KR" altLang="en-US" sz="1600" dirty="0"/>
-              <a:t>기본키가 아닌 속성은 강좌이름</a:t>
-            </a:r>
-            <a:r>
-              <a:rPr lang="en-US" altLang="ko-KR" sz="1600" dirty="0"/>
-              <a:t>, </a:t>
-            </a:r>
-            <a:r>
-              <a:rPr lang="ko-KR" altLang="en-US" sz="1600" dirty="0"/>
-              <a:t>수강료이다</a:t>
-            </a:r>
-            <a:r>
-              <a:rPr lang="en-US" altLang="ko-KR" sz="1600" dirty="0"/>
-              <a:t>. </a:t>
-            </a:r>
-            <a:r>
-              <a:rPr lang="ko-KR" altLang="en-US" sz="1600" dirty="0"/>
-              <a:t>강좌이름</a:t>
-            </a:r>
-            <a:r>
-              <a:rPr lang="en-US" altLang="ko-KR" sz="1600" dirty="0"/>
-              <a:t>, </a:t>
-            </a:r>
-            <a:r>
-              <a:rPr lang="ko-KR" altLang="en-US" sz="1600" dirty="0"/>
-              <a:t>수강료는 모두 기본키에 함수적으로 종속되어 있다</a:t>
-            </a:r>
-            <a:r>
-              <a:rPr lang="en-US" altLang="ko-KR" sz="1600" dirty="0"/>
-              <a:t>. </a:t>
-            </a:r>
-          </a:p>
-          <a:p>
-            <a:r>
-              <a:rPr lang="ko-KR" altLang="en-US" sz="1600" dirty="0"/>
-              <a:t>그런데 수강료는 기본키가 아닌 강좌 이름에 한 번 더 종속되어 있다</a:t>
-            </a:r>
-            <a:r>
-              <a:rPr lang="en-US" altLang="ko-KR" sz="1600" dirty="0"/>
-              <a:t>.</a:t>
-            </a:r>
-          </a:p>
-          <a:p>
-            <a:r>
-              <a:rPr lang="en-US" altLang="ko-KR" sz="1600" dirty="0"/>
-              <a:t>(</a:t>
-            </a:r>
-            <a:r>
-              <a:rPr lang="ko-KR" altLang="en-US" sz="1600" dirty="0"/>
-              <a:t>학생번호 </a:t>
-            </a:r>
-            <a:r>
-              <a:rPr lang="en-US" altLang="ko-KR" sz="1600" dirty="0"/>
-              <a:t>-&gt; </a:t>
-            </a:r>
-            <a:r>
-              <a:rPr lang="ko-KR" altLang="en-US" sz="1600" dirty="0"/>
-              <a:t>강좌이름</a:t>
-            </a:r>
-            <a:r>
-              <a:rPr lang="en-US" altLang="ko-KR" sz="1600" dirty="0"/>
-              <a:t>), (</a:t>
-            </a:r>
-            <a:r>
-              <a:rPr lang="ko-KR" altLang="en-US" sz="1600" dirty="0"/>
-              <a:t>강좌이름 </a:t>
-            </a:r>
-            <a:r>
-              <a:rPr lang="en-US" altLang="ko-KR" sz="1600" dirty="0"/>
-              <a:t>-&gt; </a:t>
-            </a:r>
-            <a:r>
-              <a:rPr lang="ko-KR" altLang="en-US" sz="1600" dirty="0"/>
-              <a:t>수강료</a:t>
-            </a:r>
-            <a:r>
-              <a:rPr lang="en-US" altLang="ko-KR" sz="1600" dirty="0"/>
-              <a:t>)</a:t>
-            </a:r>
-            <a:endParaRPr lang="ko-KR" altLang="en-US" sz="1600" dirty="0"/>
-          </a:p>
-        </p:txBody>
-      </p:sp>
-    </p:spTree>
-    <p:extLst>
-      <p:ext uri="{BB962C8B-B14F-4D97-AF65-F5344CB8AC3E}">
-        <p14:creationId xmlns:p14="http://schemas.microsoft.com/office/powerpoint/2010/main" val="643714342"/>
       </p:ext>
     </p:extLst>
   </p:cSld>
@@ -12272,6 +11316,1003 @@
             <a:fld id="{1BDE3FE7-3AEA-4B05-AC5A-802D1816ACF0}" type="slidenum">
               <a:rPr lang="ko-KR" altLang="en-US" smtClean="0"/>
               <a:t>20</a:t>
+            </a:fld>
+            <a:endParaRPr lang="ko-KR" altLang="en-US"/>
+          </a:p>
+        </p:txBody>
+      </p:sp>
+      <p:sp>
+        <p:nvSpPr>
+          <p:cNvPr id="6" name="TextBox 5"/>
+          <p:cNvSpPr txBox="1"/>
+          <p:nvPr/>
+        </p:nvSpPr>
+        <p:spPr>
+          <a:xfrm>
+            <a:off x="755576" y="1124744"/>
+            <a:ext cx="1656184" cy="400110"/>
+          </a:xfrm>
+          <a:prstGeom prst="rect">
+            <a:avLst/>
+          </a:prstGeom>
+          <a:noFill/>
+        </p:spPr>
+        <p:txBody>
+          <a:bodyPr wrap="square" rtlCol="0">
+            <a:spAutoFit/>
+          </a:bodyPr>
+          <a:lstStyle/>
+          <a:p>
+            <a:r>
+              <a:rPr lang="ko-KR" altLang="en-US" sz="2000" b="1" dirty="0"/>
+              <a:t>제</a:t>
+            </a:r>
+            <a:r>
+              <a:rPr lang="en-US" altLang="ko-KR" sz="2000" b="1" dirty="0"/>
+              <a:t>3 </a:t>
+            </a:r>
+            <a:r>
+              <a:rPr lang="ko-KR" altLang="en-US" sz="2000" b="1" dirty="0" err="1"/>
+              <a:t>정규형</a:t>
+            </a:r>
+            <a:endParaRPr lang="ko-KR" altLang="en-US" sz="2000" b="1" dirty="0"/>
+          </a:p>
+        </p:txBody>
+      </p:sp>
+      <p:sp>
+        <p:nvSpPr>
+          <p:cNvPr id="3" name="TextBox 2"/>
+          <p:cNvSpPr txBox="1"/>
+          <p:nvPr/>
+        </p:nvSpPr>
+        <p:spPr>
+          <a:xfrm>
+            <a:off x="817240" y="1484784"/>
+            <a:ext cx="7715200" cy="830997"/>
+          </a:xfrm>
+          <a:prstGeom prst="rect">
+            <a:avLst/>
+          </a:prstGeom>
+          <a:noFill/>
+        </p:spPr>
+        <p:txBody>
+          <a:bodyPr wrap="square" rtlCol="0">
+            <a:spAutoFit/>
+          </a:bodyPr>
+          <a:lstStyle/>
+          <a:p>
+            <a:r>
+              <a:rPr lang="ko-KR" altLang="en-US" sz="1600" dirty="0"/>
+              <a:t>속성들이 이행적으로 종속되어 있는지 여부를 판단하는 것이다</a:t>
+            </a:r>
+            <a:r>
+              <a:rPr lang="en-US" altLang="ko-KR" sz="1600" dirty="0"/>
+              <a:t>.</a:t>
+            </a:r>
+          </a:p>
+          <a:p>
+            <a:r>
+              <a:rPr lang="ko-KR" altLang="en-US" sz="1600" dirty="0"/>
+              <a:t>릴레이션 </a:t>
+            </a:r>
+            <a:r>
+              <a:rPr lang="en-US" altLang="ko-KR" sz="1600" dirty="0"/>
+              <a:t>R</a:t>
+            </a:r>
+            <a:r>
+              <a:rPr lang="ko-KR" altLang="en-US" sz="1600" dirty="0"/>
+              <a:t>이 제 </a:t>
+            </a:r>
+            <a:r>
+              <a:rPr lang="en-US" altLang="ko-KR" sz="1600" dirty="0"/>
+              <a:t>2 </a:t>
+            </a:r>
+            <a:r>
+              <a:rPr lang="ko-KR" altLang="en-US" sz="1600" dirty="0" err="1"/>
+              <a:t>정규형이고</a:t>
+            </a:r>
+            <a:r>
+              <a:rPr lang="en-US" altLang="ko-KR" sz="1600" dirty="0"/>
+              <a:t> </a:t>
+            </a:r>
+            <a:r>
+              <a:rPr lang="ko-KR" altLang="en-US" sz="1600" dirty="0"/>
+              <a:t>기본키가 아닌 속성이 기본키에 비이행적으로 </a:t>
+            </a:r>
+            <a:r>
+              <a:rPr lang="ko-KR" altLang="en-US" sz="1600" dirty="0" err="1"/>
+              <a:t>종속할때</a:t>
+            </a:r>
+            <a:r>
+              <a:rPr lang="en-US" altLang="ko-KR" sz="1600" dirty="0"/>
+              <a:t>(</a:t>
+            </a:r>
+            <a:r>
+              <a:rPr lang="ko-KR" altLang="en-US" sz="1600" dirty="0"/>
+              <a:t>직접 종속</a:t>
+            </a:r>
+            <a:r>
+              <a:rPr lang="en-US" altLang="ko-KR" sz="1600" dirty="0"/>
+              <a:t>) </a:t>
+            </a:r>
+            <a:r>
+              <a:rPr lang="ko-KR" altLang="en-US" sz="1600" dirty="0"/>
+              <a:t>제</a:t>
+            </a:r>
+            <a:r>
+              <a:rPr lang="en-US" altLang="ko-KR" sz="1600" dirty="0"/>
+              <a:t>3 </a:t>
+            </a:r>
+            <a:r>
+              <a:rPr lang="ko-KR" altLang="en-US" sz="1600" dirty="0" err="1"/>
+              <a:t>정규형이라고</a:t>
+            </a:r>
+            <a:r>
+              <a:rPr lang="ko-KR" altLang="en-US" sz="1600" dirty="0"/>
+              <a:t> 한다</a:t>
+            </a:r>
+            <a:r>
+              <a:rPr lang="en-US" altLang="ko-KR" sz="1600" dirty="0"/>
+              <a:t>.</a:t>
+            </a:r>
+            <a:endParaRPr lang="ko-KR" altLang="en-US" sz="1600" dirty="0"/>
+          </a:p>
+        </p:txBody>
+      </p:sp>
+      <p:graphicFrame>
+        <p:nvGraphicFramePr>
+          <p:cNvPr id="11" name="내용 개체 틀 4">
+            <a:extLst>
+              <a:ext uri="{FF2B5EF4-FFF2-40B4-BE49-F238E27FC236}">
+                <a16:creationId xmlns:a16="http://schemas.microsoft.com/office/drawing/2014/main" id="{BB556DAE-2E4E-4F67-9F8B-2E14433D1170}"/>
+              </a:ext>
+            </a:extLst>
+          </p:cNvPr>
+          <p:cNvGraphicFramePr>
+            <a:graphicFrameLocks/>
+          </p:cNvGraphicFramePr>
+          <p:nvPr>
+            <p:extLst>
+              <p:ext uri="{D42A27DB-BD31-4B8C-83A1-F6EECF244321}">
+                <p14:modId xmlns:p14="http://schemas.microsoft.com/office/powerpoint/2010/main" val="1666700605"/>
+              </p:ext>
+            </p:extLst>
+          </p:nvPr>
+        </p:nvGraphicFramePr>
+        <p:xfrm>
+          <a:off x="939045" y="2783660"/>
+          <a:ext cx="3416933" cy="2369656"/>
+        </p:xfrm>
+        <a:graphic>
+          <a:graphicData uri="http://schemas.openxmlformats.org/drawingml/2006/table">
+            <a:tbl>
+              <a:tblPr firstRow="1">
+                <a:tableStyleId>{5940675A-B579-460E-94D1-54222C63F5DA}</a:tableStyleId>
+              </a:tblPr>
+              <a:tblGrid>
+                <a:gridCol w="822595">
+                  <a:extLst>
+                    <a:ext uri="{9D8B030D-6E8A-4147-A177-3AD203B41FA5}">
+                      <a16:colId xmlns:a16="http://schemas.microsoft.com/office/drawing/2014/main" val="20000"/>
+                    </a:ext>
+                  </a:extLst>
+                </a:gridCol>
+                <a:gridCol w="1586224">
+                  <a:extLst>
+                    <a:ext uri="{9D8B030D-6E8A-4147-A177-3AD203B41FA5}">
+                      <a16:colId xmlns:a16="http://schemas.microsoft.com/office/drawing/2014/main" val="20001"/>
+                    </a:ext>
+                  </a:extLst>
+                </a:gridCol>
+                <a:gridCol w="1008114">
+                  <a:extLst>
+                    <a:ext uri="{9D8B030D-6E8A-4147-A177-3AD203B41FA5}">
+                      <a16:colId xmlns:a16="http://schemas.microsoft.com/office/drawing/2014/main" val="20003"/>
+                    </a:ext>
+                  </a:extLst>
+                </a:gridCol>
+              </a:tblGrid>
+              <a:tr h="493940">
+                <a:tc>
+                  <a:txBody>
+                    <a:bodyPr/>
+                    <a:lstStyle/>
+                    <a:p>
+                      <a:pPr algn="ctr" latinLnBrk="1"/>
+                      <a:r>
+                        <a:rPr lang="ko-KR" altLang="en-US" sz="1400" dirty="0"/>
+                        <a:t>학생</a:t>
+                      </a:r>
+                      <a:endParaRPr lang="en-US" altLang="ko-KR" sz="1400" dirty="0"/>
+                    </a:p>
+                    <a:p>
+                      <a:pPr algn="ctr" latinLnBrk="1"/>
+                      <a:r>
+                        <a:rPr lang="ko-KR" altLang="en-US" sz="1400" dirty="0"/>
+                        <a:t>번호</a:t>
+                      </a:r>
+                    </a:p>
+                  </a:txBody>
+                  <a:tcPr anchor="ctr">
+                    <a:solidFill>
+                      <a:schemeClr val="accent5">
+                        <a:lumMod val="20000"/>
+                        <a:lumOff val="80000"/>
+                      </a:schemeClr>
+                    </a:solidFill>
+                  </a:tcPr>
+                </a:tc>
+                <a:tc>
+                  <a:txBody>
+                    <a:bodyPr/>
+                    <a:lstStyle/>
+                    <a:p>
+                      <a:pPr algn="ctr" latinLnBrk="1"/>
+                      <a:r>
+                        <a:rPr lang="ko-KR" altLang="en-US" sz="1400" dirty="0" err="1"/>
+                        <a:t>강좌이름</a:t>
+                      </a:r>
+                      <a:endParaRPr lang="ko-KR" altLang="en-US" sz="1400" dirty="0"/>
+                    </a:p>
+                  </a:txBody>
+                  <a:tcPr anchor="ctr">
+                    <a:solidFill>
+                      <a:schemeClr val="accent5">
+                        <a:lumMod val="20000"/>
+                        <a:lumOff val="80000"/>
+                      </a:schemeClr>
+                    </a:solidFill>
+                  </a:tcPr>
+                </a:tc>
+                <a:tc>
+                  <a:txBody>
+                    <a:bodyPr/>
+                    <a:lstStyle/>
+                    <a:p>
+                      <a:pPr algn="ctr" latinLnBrk="1"/>
+                      <a:r>
+                        <a:rPr lang="ko-KR" altLang="en-US" sz="1400" dirty="0"/>
+                        <a:t>수강료</a:t>
+                      </a:r>
+                    </a:p>
+                  </a:txBody>
+                  <a:tcPr anchor="ctr">
+                    <a:solidFill>
+                      <a:schemeClr val="accent5">
+                        <a:lumMod val="20000"/>
+                        <a:lumOff val="80000"/>
+                      </a:schemeClr>
+                    </a:solidFill>
+                  </a:tcPr>
+                </a:tc>
+                <a:extLst>
+                  <a:ext uri="{0D108BD9-81ED-4DB2-BD59-A6C34878D82A}">
+                    <a16:rowId xmlns:a16="http://schemas.microsoft.com/office/drawing/2014/main" val="10000"/>
+                  </a:ext>
+                </a:extLst>
+              </a:tr>
+              <a:tr h="462874">
+                <a:tc>
+                  <a:txBody>
+                    <a:bodyPr/>
+                    <a:lstStyle/>
+                    <a:p>
+                      <a:pPr algn="ctr" latinLnBrk="1"/>
+                      <a:r>
+                        <a:rPr lang="en-US" altLang="ko-KR" sz="1400" dirty="0"/>
+                        <a:t>501</a:t>
+                      </a:r>
+                      <a:endParaRPr lang="ko-KR" altLang="en-US" sz="1400" dirty="0"/>
+                    </a:p>
+                  </a:txBody>
+                  <a:tcPr anchor="ctr"/>
+                </a:tc>
+                <a:tc>
+                  <a:txBody>
+                    <a:bodyPr/>
+                    <a:lstStyle/>
+                    <a:p>
+                      <a:pPr algn="ctr" latinLnBrk="1"/>
+                      <a:r>
+                        <a:rPr lang="ko-KR" altLang="en-US" sz="1400" dirty="0"/>
+                        <a:t>데이터베이스</a:t>
+                      </a:r>
+                    </a:p>
+                  </a:txBody>
+                  <a:tcPr anchor="ctr"/>
+                </a:tc>
+                <a:tc>
+                  <a:txBody>
+                    <a:bodyPr/>
+                    <a:lstStyle/>
+                    <a:p>
+                      <a:pPr algn="ctr" latinLnBrk="1"/>
+                      <a:r>
+                        <a:rPr lang="en-US" altLang="ko-KR" sz="1400" dirty="0"/>
+                        <a:t>20000</a:t>
+                      </a:r>
+                      <a:endParaRPr lang="ko-KR" altLang="en-US" sz="1400" dirty="0"/>
+                    </a:p>
+                  </a:txBody>
+                  <a:tcPr anchor="ctr"/>
+                </a:tc>
+                <a:extLst>
+                  <a:ext uri="{0D108BD9-81ED-4DB2-BD59-A6C34878D82A}">
+                    <a16:rowId xmlns:a16="http://schemas.microsoft.com/office/drawing/2014/main" val="10001"/>
+                  </a:ext>
+                </a:extLst>
+              </a:tr>
+              <a:tr h="462874">
+                <a:tc>
+                  <a:txBody>
+                    <a:bodyPr/>
+                    <a:lstStyle/>
+                    <a:p>
+                      <a:pPr algn="ctr" latinLnBrk="1"/>
+                      <a:r>
+                        <a:rPr lang="en-US" altLang="ko-KR" sz="1400" dirty="0"/>
+                        <a:t>401</a:t>
+                      </a:r>
+                      <a:endParaRPr lang="ko-KR" altLang="en-US" sz="1400" dirty="0"/>
+                    </a:p>
+                  </a:txBody>
+                  <a:tcPr anchor="ctr"/>
+                </a:tc>
+                <a:tc>
+                  <a:txBody>
+                    <a:bodyPr/>
+                    <a:lstStyle/>
+                    <a:p>
+                      <a:pPr marL="0" marR="0" lvl="0" indent="0" algn="ctr" defTabSz="914400" rtl="0" eaLnBrk="1" fontAlgn="auto" latinLnBrk="1" hangingPunct="1">
+                        <a:lnSpc>
+                          <a:spcPct val="100000"/>
+                        </a:lnSpc>
+                        <a:spcBef>
+                          <a:spcPts val="0"/>
+                        </a:spcBef>
+                        <a:spcAft>
+                          <a:spcPts val="0"/>
+                        </a:spcAft>
+                        <a:buClrTx/>
+                        <a:buSzTx/>
+                        <a:buFontTx/>
+                        <a:buNone/>
+                        <a:tabLst/>
+                        <a:defRPr/>
+                      </a:pPr>
+                      <a:r>
+                        <a:rPr lang="ko-KR" altLang="en-US" sz="1400" dirty="0"/>
+                        <a:t>데이터베이스</a:t>
+                      </a:r>
+                    </a:p>
+                  </a:txBody>
+                  <a:tcPr anchor="ctr"/>
+                </a:tc>
+                <a:tc>
+                  <a:txBody>
+                    <a:bodyPr/>
+                    <a:lstStyle/>
+                    <a:p>
+                      <a:pPr algn="ctr" latinLnBrk="1"/>
+                      <a:r>
+                        <a:rPr lang="en-US" altLang="ko-KR" sz="1400" dirty="0"/>
+                        <a:t>20000</a:t>
+                      </a:r>
+                      <a:endParaRPr lang="ko-KR" altLang="en-US" sz="1400" dirty="0"/>
+                    </a:p>
+                  </a:txBody>
+                  <a:tcPr anchor="ctr"/>
+                </a:tc>
+                <a:extLst>
+                  <a:ext uri="{0D108BD9-81ED-4DB2-BD59-A6C34878D82A}">
+                    <a16:rowId xmlns:a16="http://schemas.microsoft.com/office/drawing/2014/main" val="10002"/>
+                  </a:ext>
+                </a:extLst>
+              </a:tr>
+              <a:tr h="462874">
+                <a:tc>
+                  <a:txBody>
+                    <a:bodyPr/>
+                    <a:lstStyle/>
+                    <a:p>
+                      <a:pPr algn="ctr" latinLnBrk="1"/>
+                      <a:r>
+                        <a:rPr lang="en-US" altLang="ko-KR" sz="1400" dirty="0"/>
+                        <a:t>402</a:t>
+                      </a:r>
+                      <a:endParaRPr lang="ko-KR" altLang="en-US" sz="1400" dirty="0"/>
+                    </a:p>
+                  </a:txBody>
+                  <a:tcPr anchor="ctr"/>
+                </a:tc>
+                <a:tc>
+                  <a:txBody>
+                    <a:bodyPr/>
+                    <a:lstStyle/>
+                    <a:p>
+                      <a:pPr algn="ctr" latinLnBrk="1"/>
+                      <a:r>
+                        <a:rPr lang="ko-KR" altLang="en-US" sz="1400" dirty="0"/>
+                        <a:t>스포츠경영학</a:t>
+                      </a:r>
+                    </a:p>
+                  </a:txBody>
+                  <a:tcPr anchor="ctr"/>
+                </a:tc>
+                <a:tc>
+                  <a:txBody>
+                    <a:bodyPr/>
+                    <a:lstStyle/>
+                    <a:p>
+                      <a:pPr algn="ctr" latinLnBrk="1"/>
+                      <a:r>
+                        <a:rPr lang="en-US" altLang="ko-KR" sz="1400" dirty="0"/>
+                        <a:t>15000</a:t>
+                      </a:r>
+                      <a:endParaRPr lang="ko-KR" altLang="en-US" sz="1400" dirty="0"/>
+                    </a:p>
+                  </a:txBody>
+                  <a:tcPr anchor="ctr"/>
+                </a:tc>
+                <a:extLst>
+                  <a:ext uri="{0D108BD9-81ED-4DB2-BD59-A6C34878D82A}">
+                    <a16:rowId xmlns:a16="http://schemas.microsoft.com/office/drawing/2014/main" val="10004"/>
+                  </a:ext>
+                </a:extLst>
+              </a:tr>
+              <a:tr h="462874">
+                <a:tc>
+                  <a:txBody>
+                    <a:bodyPr/>
+                    <a:lstStyle/>
+                    <a:p>
+                      <a:pPr algn="ctr" latinLnBrk="1"/>
+                      <a:r>
+                        <a:rPr lang="en-US" altLang="ko-KR" sz="1400" dirty="0"/>
+                        <a:t>502</a:t>
+                      </a:r>
+                      <a:endParaRPr lang="ko-KR" altLang="en-US" sz="1400" dirty="0"/>
+                    </a:p>
+                  </a:txBody>
+                  <a:tcPr anchor="ctr"/>
+                </a:tc>
+                <a:tc>
+                  <a:txBody>
+                    <a:bodyPr/>
+                    <a:lstStyle/>
+                    <a:p>
+                      <a:pPr algn="ctr" latinLnBrk="1"/>
+                      <a:r>
+                        <a:rPr lang="ko-KR" altLang="en-US" sz="1400" dirty="0"/>
+                        <a:t>자료구조</a:t>
+                      </a:r>
+                    </a:p>
+                  </a:txBody>
+                  <a:tcPr anchor="ctr"/>
+                </a:tc>
+                <a:tc>
+                  <a:txBody>
+                    <a:bodyPr/>
+                    <a:lstStyle/>
+                    <a:p>
+                      <a:pPr algn="ctr" latinLnBrk="1"/>
+                      <a:r>
+                        <a:rPr lang="en-US" altLang="ko-KR" sz="1400" dirty="0"/>
+                        <a:t>25000</a:t>
+                      </a:r>
+                      <a:endParaRPr lang="ko-KR" altLang="en-US" sz="1400" dirty="0"/>
+                    </a:p>
+                  </a:txBody>
+                  <a:tcPr anchor="ctr"/>
+                </a:tc>
+                <a:extLst>
+                  <a:ext uri="{0D108BD9-81ED-4DB2-BD59-A6C34878D82A}">
+                    <a16:rowId xmlns:a16="http://schemas.microsoft.com/office/drawing/2014/main" val="1026944876"/>
+                  </a:ext>
+                </a:extLst>
+              </a:tr>
+            </a:tbl>
+          </a:graphicData>
+        </a:graphic>
+      </p:graphicFrame>
+      <p:sp>
+        <p:nvSpPr>
+          <p:cNvPr id="5" name="TextBox 4"/>
+          <p:cNvSpPr txBox="1"/>
+          <p:nvPr/>
+        </p:nvSpPr>
+        <p:spPr>
+          <a:xfrm>
+            <a:off x="4746849" y="3573016"/>
+            <a:ext cx="1008112" cy="338554"/>
+          </a:xfrm>
+          <a:prstGeom prst="rect">
+            <a:avLst/>
+          </a:prstGeom>
+        </p:spPr>
+        <p:style>
+          <a:lnRef idx="1">
+            <a:schemeClr val="accent1"/>
+          </a:lnRef>
+          <a:fillRef idx="2">
+            <a:schemeClr val="accent1"/>
+          </a:fillRef>
+          <a:effectRef idx="1">
+            <a:schemeClr val="accent1"/>
+          </a:effectRef>
+          <a:fontRef idx="minor">
+            <a:schemeClr val="dk1"/>
+          </a:fontRef>
+        </p:style>
+        <p:txBody>
+          <a:bodyPr wrap="square" rtlCol="0">
+            <a:spAutoFit/>
+          </a:bodyPr>
+          <a:lstStyle/>
+          <a:p>
+            <a:r>
+              <a:rPr lang="ko-KR" altLang="en-US" sz="1600"/>
+              <a:t>학생번호</a:t>
+            </a:r>
+            <a:endParaRPr lang="ko-KR" altLang="en-US" sz="1600" dirty="0"/>
+          </a:p>
+        </p:txBody>
+      </p:sp>
+      <p:sp>
+        <p:nvSpPr>
+          <p:cNvPr id="12" name="TextBox 11"/>
+          <p:cNvSpPr txBox="1"/>
+          <p:nvPr/>
+        </p:nvSpPr>
+        <p:spPr>
+          <a:xfrm>
+            <a:off x="6228184" y="3573016"/>
+            <a:ext cx="1008112" cy="338554"/>
+          </a:xfrm>
+          <a:prstGeom prst="rect">
+            <a:avLst/>
+          </a:prstGeom>
+        </p:spPr>
+        <p:style>
+          <a:lnRef idx="1">
+            <a:schemeClr val="accent1"/>
+          </a:lnRef>
+          <a:fillRef idx="2">
+            <a:schemeClr val="accent1"/>
+          </a:fillRef>
+          <a:effectRef idx="1">
+            <a:schemeClr val="accent1"/>
+          </a:effectRef>
+          <a:fontRef idx="minor">
+            <a:schemeClr val="dk1"/>
+          </a:fontRef>
+        </p:style>
+        <p:txBody>
+          <a:bodyPr wrap="square" rtlCol="0">
+            <a:spAutoFit/>
+          </a:bodyPr>
+          <a:lstStyle/>
+          <a:p>
+            <a:r>
+              <a:rPr lang="ko-KR" altLang="en-US" sz="1600" dirty="0" err="1"/>
+              <a:t>강좌이름</a:t>
+            </a:r>
+            <a:endParaRPr lang="ko-KR" altLang="en-US" sz="1600" dirty="0"/>
+          </a:p>
+        </p:txBody>
+      </p:sp>
+      <p:sp>
+        <p:nvSpPr>
+          <p:cNvPr id="17" name="TextBox 16"/>
+          <p:cNvSpPr txBox="1"/>
+          <p:nvPr/>
+        </p:nvSpPr>
+        <p:spPr>
+          <a:xfrm>
+            <a:off x="7678688" y="3573016"/>
+            <a:ext cx="1008112" cy="338554"/>
+          </a:xfrm>
+          <a:prstGeom prst="rect">
+            <a:avLst/>
+          </a:prstGeom>
+        </p:spPr>
+        <p:style>
+          <a:lnRef idx="1">
+            <a:schemeClr val="accent1"/>
+          </a:lnRef>
+          <a:fillRef idx="2">
+            <a:schemeClr val="accent1"/>
+          </a:fillRef>
+          <a:effectRef idx="1">
+            <a:schemeClr val="accent1"/>
+          </a:effectRef>
+          <a:fontRef idx="minor">
+            <a:schemeClr val="dk1"/>
+          </a:fontRef>
+        </p:style>
+        <p:txBody>
+          <a:bodyPr wrap="square" rtlCol="0">
+            <a:spAutoFit/>
+          </a:bodyPr>
+          <a:lstStyle/>
+          <a:p>
+            <a:pPr algn="ctr"/>
+            <a:r>
+              <a:rPr lang="ko-KR" altLang="en-US" sz="1600" dirty="0"/>
+              <a:t>수강료</a:t>
+            </a:r>
+          </a:p>
+        </p:txBody>
+      </p:sp>
+      <p:cxnSp>
+        <p:nvCxnSpPr>
+          <p:cNvPr id="21" name="직선 화살표 연결선 20"/>
+          <p:cNvCxnSpPr>
+            <a:stCxn id="12" idx="3"/>
+            <a:endCxn id="17" idx="1"/>
+          </p:cNvCxnSpPr>
+          <p:nvPr/>
+        </p:nvCxnSpPr>
+        <p:spPr>
+          <a:xfrm>
+            <a:off x="7236296" y="3742293"/>
+            <a:ext cx="442392" cy="0"/>
+          </a:xfrm>
+          <a:prstGeom prst="straightConnector1">
+            <a:avLst/>
+          </a:prstGeom>
+          <a:ln>
+            <a:tailEnd type="triangle"/>
+          </a:ln>
+        </p:spPr>
+        <p:style>
+          <a:lnRef idx="1">
+            <a:schemeClr val="accent1"/>
+          </a:lnRef>
+          <a:fillRef idx="0">
+            <a:schemeClr val="accent1"/>
+          </a:fillRef>
+          <a:effectRef idx="0">
+            <a:schemeClr val="accent1"/>
+          </a:effectRef>
+          <a:fontRef idx="minor">
+            <a:schemeClr val="tx1"/>
+          </a:fontRef>
+        </p:style>
+      </p:cxnSp>
+      <p:sp>
+        <p:nvSpPr>
+          <p:cNvPr id="23" name="TextBox 22"/>
+          <p:cNvSpPr txBox="1"/>
+          <p:nvPr/>
+        </p:nvSpPr>
+        <p:spPr>
+          <a:xfrm>
+            <a:off x="922004" y="2420888"/>
+            <a:ext cx="1201723" cy="338554"/>
+          </a:xfrm>
+          <a:prstGeom prst="rect">
+            <a:avLst/>
+          </a:prstGeom>
+          <a:noFill/>
+        </p:spPr>
+        <p:txBody>
+          <a:bodyPr wrap="square" rtlCol="0">
+            <a:spAutoFit/>
+          </a:bodyPr>
+          <a:lstStyle/>
+          <a:p>
+            <a:r>
+              <a:rPr lang="ko-KR" altLang="en-US" sz="1600" dirty="0"/>
+              <a:t>계절학기</a:t>
+            </a:r>
+          </a:p>
+        </p:txBody>
+      </p:sp>
+      <p:cxnSp>
+        <p:nvCxnSpPr>
+          <p:cNvPr id="10" name="직선 화살표 연결선 9">
+            <a:extLst>
+              <a:ext uri="{FF2B5EF4-FFF2-40B4-BE49-F238E27FC236}">
+                <a16:creationId xmlns:a16="http://schemas.microsoft.com/office/drawing/2014/main" id="{93DC6214-3AF3-4235-8134-E3438C81B603}"/>
+              </a:ext>
+            </a:extLst>
+          </p:cNvPr>
+          <p:cNvCxnSpPr>
+            <a:stCxn id="5" idx="3"/>
+            <a:endCxn id="12" idx="1"/>
+          </p:cNvCxnSpPr>
+          <p:nvPr/>
+        </p:nvCxnSpPr>
+        <p:spPr>
+          <a:xfrm>
+            <a:off x="5754961" y="3742293"/>
+            <a:ext cx="473223" cy="0"/>
+          </a:xfrm>
+          <a:prstGeom prst="straightConnector1">
+            <a:avLst/>
+          </a:prstGeom>
+          <a:ln>
+            <a:tailEnd type="triangle"/>
+          </a:ln>
+        </p:spPr>
+        <p:style>
+          <a:lnRef idx="1">
+            <a:schemeClr val="accent1"/>
+          </a:lnRef>
+          <a:fillRef idx="0">
+            <a:schemeClr val="accent1"/>
+          </a:fillRef>
+          <a:effectRef idx="0">
+            <a:schemeClr val="accent1"/>
+          </a:effectRef>
+          <a:fontRef idx="minor">
+            <a:schemeClr val="tx1"/>
+          </a:fontRef>
+        </p:style>
+      </p:cxnSp>
+      <p:cxnSp>
+        <p:nvCxnSpPr>
+          <p:cNvPr id="16" name="연결선: 꺾임 15">
+            <a:extLst>
+              <a:ext uri="{FF2B5EF4-FFF2-40B4-BE49-F238E27FC236}">
+                <a16:creationId xmlns:a16="http://schemas.microsoft.com/office/drawing/2014/main" id="{01BB36A6-B33B-4F88-9405-E06A242173AD}"/>
+              </a:ext>
+            </a:extLst>
+          </p:cNvPr>
+          <p:cNvCxnSpPr>
+            <a:stCxn id="5" idx="2"/>
+            <a:endCxn id="17" idx="2"/>
+          </p:cNvCxnSpPr>
+          <p:nvPr/>
+        </p:nvCxnSpPr>
+        <p:spPr>
+          <a:xfrm rot="16200000" flipH="1">
+            <a:off x="6716824" y="2445650"/>
+            <a:ext cx="12700" cy="2931839"/>
+          </a:xfrm>
+          <a:prstGeom prst="bentConnector3">
+            <a:avLst>
+              <a:gd name="adj1" fmla="val 2325016"/>
+            </a:avLst>
+          </a:prstGeom>
+          <a:ln w="19050">
+            <a:prstDash val="sysDash"/>
+            <a:tailEnd type="triangle"/>
+          </a:ln>
+        </p:spPr>
+        <p:style>
+          <a:lnRef idx="1">
+            <a:schemeClr val="accent1"/>
+          </a:lnRef>
+          <a:fillRef idx="0">
+            <a:schemeClr val="accent1"/>
+          </a:fillRef>
+          <a:effectRef idx="0">
+            <a:schemeClr val="accent1"/>
+          </a:effectRef>
+          <a:fontRef idx="minor">
+            <a:schemeClr val="tx1"/>
+          </a:fontRef>
+        </p:style>
+      </p:cxnSp>
+      <p:sp>
+        <p:nvSpPr>
+          <p:cNvPr id="22" name="TextBox 21">
+            <a:extLst>
+              <a:ext uri="{FF2B5EF4-FFF2-40B4-BE49-F238E27FC236}">
+                <a16:creationId xmlns:a16="http://schemas.microsoft.com/office/drawing/2014/main" id="{2136C1C2-21BF-455E-8204-CD4E27175990}"/>
+              </a:ext>
+            </a:extLst>
+          </p:cNvPr>
+          <p:cNvSpPr txBox="1"/>
+          <p:nvPr/>
+        </p:nvSpPr>
+        <p:spPr>
+          <a:xfrm>
+            <a:off x="933390" y="5333333"/>
+            <a:ext cx="7715200" cy="1077218"/>
+          </a:xfrm>
+          <a:prstGeom prst="rect">
+            <a:avLst/>
+          </a:prstGeom>
+          <a:noFill/>
+        </p:spPr>
+        <p:txBody>
+          <a:bodyPr wrap="square" rtlCol="0">
+            <a:spAutoFit/>
+          </a:bodyPr>
+          <a:lstStyle/>
+          <a:p>
+            <a:r>
+              <a:rPr lang="ko-KR" altLang="en-US" sz="1600" dirty="0"/>
+              <a:t>계절학기 릴레이션의 기본키는 </a:t>
+            </a:r>
+            <a:r>
+              <a:rPr lang="ko-KR" altLang="en-US" sz="1600" dirty="0" err="1"/>
+              <a:t>학생번호이고</a:t>
+            </a:r>
+            <a:r>
+              <a:rPr lang="en-US" altLang="ko-KR" sz="1600" dirty="0"/>
+              <a:t>, </a:t>
+            </a:r>
+            <a:r>
+              <a:rPr lang="ko-KR" altLang="en-US" sz="1600" dirty="0"/>
+              <a:t>기본키가 아닌 속성은 강좌이름</a:t>
+            </a:r>
+            <a:r>
+              <a:rPr lang="en-US" altLang="ko-KR" sz="1600" dirty="0"/>
+              <a:t>, </a:t>
+            </a:r>
+            <a:r>
+              <a:rPr lang="ko-KR" altLang="en-US" sz="1600" dirty="0"/>
+              <a:t>수강료이다</a:t>
+            </a:r>
+            <a:r>
+              <a:rPr lang="en-US" altLang="ko-KR" sz="1600" dirty="0"/>
+              <a:t>. </a:t>
+            </a:r>
+            <a:r>
+              <a:rPr lang="ko-KR" altLang="en-US" sz="1600" dirty="0"/>
+              <a:t>강좌이름</a:t>
+            </a:r>
+            <a:r>
+              <a:rPr lang="en-US" altLang="ko-KR" sz="1600" dirty="0"/>
+              <a:t>, </a:t>
+            </a:r>
+            <a:r>
+              <a:rPr lang="ko-KR" altLang="en-US" sz="1600" dirty="0"/>
+              <a:t>수강료는 모두 기본키에 함수적으로 종속되어 있다</a:t>
+            </a:r>
+            <a:r>
+              <a:rPr lang="en-US" altLang="ko-KR" sz="1600" dirty="0"/>
+              <a:t>. </a:t>
+            </a:r>
+          </a:p>
+          <a:p>
+            <a:r>
+              <a:rPr lang="ko-KR" altLang="en-US" sz="1600" dirty="0"/>
+              <a:t>그런데 수강료는 기본키가 아닌 강좌 이름에 한 번 더 종속되어 있다</a:t>
+            </a:r>
+            <a:r>
+              <a:rPr lang="en-US" altLang="ko-KR" sz="1600" dirty="0"/>
+              <a:t>.</a:t>
+            </a:r>
+          </a:p>
+          <a:p>
+            <a:r>
+              <a:rPr lang="en-US" altLang="ko-KR" sz="1600" dirty="0"/>
+              <a:t>(</a:t>
+            </a:r>
+            <a:r>
+              <a:rPr lang="ko-KR" altLang="en-US" sz="1600" dirty="0"/>
+              <a:t>학생번호 </a:t>
+            </a:r>
+            <a:r>
+              <a:rPr lang="en-US" altLang="ko-KR" sz="1600" dirty="0"/>
+              <a:t>-&gt; </a:t>
+            </a:r>
+            <a:r>
+              <a:rPr lang="ko-KR" altLang="en-US" sz="1600" dirty="0"/>
+              <a:t>강좌이름</a:t>
+            </a:r>
+            <a:r>
+              <a:rPr lang="en-US" altLang="ko-KR" sz="1600" dirty="0"/>
+              <a:t>), (</a:t>
+            </a:r>
+            <a:r>
+              <a:rPr lang="ko-KR" altLang="en-US" sz="1600" dirty="0"/>
+              <a:t>강좌이름 </a:t>
+            </a:r>
+            <a:r>
+              <a:rPr lang="en-US" altLang="ko-KR" sz="1600" dirty="0"/>
+              <a:t>-&gt; </a:t>
+            </a:r>
+            <a:r>
+              <a:rPr lang="ko-KR" altLang="en-US" sz="1600" dirty="0"/>
+              <a:t>수강료</a:t>
+            </a:r>
+            <a:r>
+              <a:rPr lang="en-US" altLang="ko-KR" sz="1600" dirty="0"/>
+              <a:t>)</a:t>
+            </a:r>
+            <a:endParaRPr lang="ko-KR" altLang="en-US" sz="1600" dirty="0"/>
+          </a:p>
+        </p:txBody>
+      </p:sp>
+    </p:spTree>
+    <p:extLst>
+      <p:ext uri="{BB962C8B-B14F-4D97-AF65-F5344CB8AC3E}">
+        <p14:creationId xmlns:p14="http://schemas.microsoft.com/office/powerpoint/2010/main" val="643714342"/>
+      </p:ext>
+    </p:extLst>
+  </p:cSld>
+  <p:clrMapOvr>
+    <a:masterClrMapping/>
+  </p:clrMapOvr>
+</p:sld>
+</file>
+
+<file path=ppt/slides/slide21.xml><?xml version="1.0" encoding="utf-8"?>
+<p:sld xmlns:a="http://schemas.openxmlformats.org/drawingml/2006/main" xmlns:r="http://schemas.openxmlformats.org/officeDocument/2006/relationships" xmlns:p="http://schemas.openxmlformats.org/presentationml/2006/main">
+  <p:cSld>
+    <p:spTree>
+      <p:nvGrpSpPr>
+        <p:cNvPr id="1" name=""/>
+        <p:cNvGrpSpPr/>
+        <p:nvPr/>
+      </p:nvGrpSpPr>
+      <p:grpSpPr>
+        <a:xfrm>
+          <a:off x="0" y="0"/>
+          <a:ext cx="0" cy="0"/>
+          <a:chOff x="0" y="0"/>
+          <a:chExt cx="0" cy="0"/>
+        </a:xfrm>
+      </p:grpSpPr>
+      <p:sp>
+        <p:nvSpPr>
+          <p:cNvPr id="2" name="제목 1"/>
+          <p:cNvSpPr>
+            <a:spLocks noGrp="1"/>
+          </p:cNvSpPr>
+          <p:nvPr>
+            <p:ph type="title"/>
+          </p:nvPr>
+        </p:nvSpPr>
+        <p:spPr/>
+        <p:txBody>
+          <a:bodyPr>
+            <a:normAutofit/>
+          </a:bodyPr>
+          <a:lstStyle/>
+          <a:p>
+            <a:r>
+              <a:rPr lang="en-US" altLang="ko-KR" sz="2800" dirty="0"/>
+              <a:t> </a:t>
+            </a:r>
+            <a:r>
+              <a:rPr lang="ko-KR" altLang="en-US" sz="2800" dirty="0"/>
+              <a:t>정규화</a:t>
+            </a:r>
+            <a:r>
+              <a:rPr lang="en-US" altLang="ko-KR" sz="2800" dirty="0"/>
+              <a:t> – </a:t>
+            </a:r>
+            <a:r>
+              <a:rPr lang="ko-KR" altLang="en-US" sz="2800" dirty="0"/>
+              <a:t>제</a:t>
+            </a:r>
+            <a:r>
+              <a:rPr lang="en-US" altLang="ko-KR" sz="2800" dirty="0"/>
+              <a:t>3 </a:t>
+            </a:r>
+            <a:r>
+              <a:rPr lang="ko-KR" altLang="en-US" sz="2800" dirty="0" err="1"/>
+              <a:t>정규형</a:t>
+            </a:r>
+            <a:endParaRPr lang="ko-KR" altLang="en-US" sz="2800" dirty="0"/>
+          </a:p>
+        </p:txBody>
+      </p:sp>
+      <p:sp>
+        <p:nvSpPr>
+          <p:cNvPr id="4" name="슬라이드 번호 개체 틀 3"/>
+          <p:cNvSpPr>
+            <a:spLocks noGrp="1"/>
+          </p:cNvSpPr>
+          <p:nvPr>
+            <p:ph type="sldNum" sz="quarter" idx="12"/>
+          </p:nvPr>
+        </p:nvSpPr>
+        <p:spPr/>
+        <p:txBody>
+          <a:bodyPr/>
+          <a:lstStyle/>
+          <a:p>
+            <a:fld id="{1BDE3FE7-3AEA-4B05-AC5A-802D1816ACF0}" type="slidenum">
+              <a:rPr lang="ko-KR" altLang="en-US" smtClean="0"/>
+              <a:t>21</a:t>
             </a:fld>
             <a:endParaRPr lang="ko-KR" altLang="en-US"/>
           </a:p>
